--- a/LCC/Java/01_初嘗Java咖啡_HelloWorld.pptx
+++ b/LCC/Java/01_初嘗Java咖啡_HelloWorld.pptx
@@ -884,7 +884,7 @@
             <a:fld id="{B61BEF0D-F0BB-DE4B-95CE-6DB70DBA9567}" type="datetimeFigureOut">
               <a:rPr lang="en-US" smtClean="0"/>
               <a:pPr/>
-              <a:t>12/27/2020</a:t>
+              <a:t>9/14/2021</a:t>
             </a:fld>
             <a:endParaRPr lang="en-US" dirty="0"/>
           </a:p>
@@ -1137,7 +1137,7 @@
             <a:fld id="{B61BEF0D-F0BB-DE4B-95CE-6DB70DBA9567}" type="datetimeFigureOut">
               <a:rPr lang="en-US" smtClean="0"/>
               <a:pPr/>
-              <a:t>12/27/2020</a:t>
+              <a:t>9/14/2021</a:t>
             </a:fld>
             <a:endParaRPr lang="en-US" dirty="0"/>
           </a:p>
@@ -1453,7 +1453,7 @@
             <a:fld id="{B61BEF0D-F0BB-DE4B-95CE-6DB70DBA9567}" type="datetimeFigureOut">
               <a:rPr lang="en-US" smtClean="0"/>
               <a:pPr/>
-              <a:t>12/27/2020</a:t>
+              <a:t>9/14/2021</a:t>
             </a:fld>
             <a:endParaRPr lang="en-US" dirty="0"/>
           </a:p>
@@ -1796,7 +1796,7 @@
             <a:fld id="{B61BEF0D-F0BB-DE4B-95CE-6DB70DBA9567}" type="datetimeFigureOut">
               <a:rPr lang="en-US" smtClean="0"/>
               <a:pPr/>
-              <a:t>12/27/2020</a:t>
+              <a:t>9/14/2021</a:t>
             </a:fld>
             <a:endParaRPr lang="en-US" dirty="0"/>
           </a:p>
@@ -2112,7 +2112,7 @@
             <a:fld id="{B61BEF0D-F0BB-DE4B-95CE-6DB70DBA9567}" type="datetimeFigureOut">
               <a:rPr lang="en-US" smtClean="0"/>
               <a:pPr/>
-              <a:t>12/27/2020</a:t>
+              <a:t>9/14/2021</a:t>
             </a:fld>
             <a:endParaRPr lang="en-US" dirty="0"/>
           </a:p>
@@ -2507,7 +2507,7 @@
             <a:fld id="{B61BEF0D-F0BB-DE4B-95CE-6DB70DBA9567}" type="datetimeFigureOut">
               <a:rPr lang="en-US" smtClean="0"/>
               <a:pPr/>
-              <a:t>12/27/2020</a:t>
+              <a:t>9/14/2021</a:t>
             </a:fld>
             <a:endParaRPr lang="en-US" dirty="0"/>
           </a:p>
@@ -2678,7 +2678,7 @@
           <a:p>
             <a:fld id="{55C6B4A9-1611-4792-9094-5F34BCA07E0B}" type="datetimeFigureOut">
               <a:rPr lang="en-US" smtClean="0"/>
-              <a:t>12/27/2020</a:t>
+              <a:t>9/14/2021</a:t>
             </a:fld>
             <a:endParaRPr lang="en-US" dirty="0"/>
           </a:p>
@@ -2859,7 +2859,7 @@
             <a:fld id="{B61BEF0D-F0BB-DE4B-95CE-6DB70DBA9567}" type="datetimeFigureOut">
               <a:rPr lang="en-US" smtClean="0"/>
               <a:pPr/>
-              <a:t>12/27/2020</a:t>
+              <a:t>9/14/2021</a:t>
             </a:fld>
             <a:endParaRPr lang="en-US" dirty="0"/>
           </a:p>
@@ -3037,7 +3037,7 @@
             <a:fld id="{B61BEF0D-F0BB-DE4B-95CE-6DB70DBA9567}" type="datetimeFigureOut">
               <a:rPr lang="en-US" smtClean="0"/>
               <a:pPr/>
-              <a:t>12/27/2020</a:t>
+              <a:t>9/14/2021</a:t>
             </a:fld>
             <a:endParaRPr lang="en-US" dirty="0"/>
           </a:p>
@@ -3315,7 +3315,7 @@
             <a:fld id="{B61BEF0D-F0BB-DE4B-95CE-6DB70DBA9567}" type="datetimeFigureOut">
               <a:rPr lang="en-US" smtClean="0"/>
               <a:pPr/>
-              <a:t>12/27/2020</a:t>
+              <a:t>9/14/2021</a:t>
             </a:fld>
             <a:endParaRPr lang="en-US" dirty="0"/>
           </a:p>
@@ -3548,7 +3548,7 @@
           <a:p>
             <a:fld id="{EB712588-04B1-427B-82EE-E8DB90309F08}" type="datetimeFigureOut">
               <a:rPr lang="en-US" smtClean="0"/>
-              <a:t>12/27/2020</a:t>
+              <a:t>9/14/2021</a:t>
             </a:fld>
             <a:endParaRPr lang="en-US" dirty="0"/>
           </a:p>
@@ -3923,7 +3923,7 @@
             <a:fld id="{B61BEF0D-F0BB-DE4B-95CE-6DB70DBA9567}" type="datetimeFigureOut">
               <a:rPr lang="en-US" smtClean="0"/>
               <a:pPr/>
-              <a:t>12/27/2020</a:t>
+              <a:t>9/14/2021</a:t>
             </a:fld>
             <a:endParaRPr lang="en-US" dirty="0"/>
           </a:p>
@@ -4048,7 +4048,7 @@
             <a:fld id="{B61BEF0D-F0BB-DE4B-95CE-6DB70DBA9567}" type="datetimeFigureOut">
               <a:rPr lang="en-US" smtClean="0"/>
               <a:pPr/>
-              <a:t>12/27/2020</a:t>
+              <a:t>9/14/2021</a:t>
             </a:fld>
             <a:endParaRPr lang="en-US" dirty="0"/>
           </a:p>
@@ -4145,7 +4145,7 @@
             <a:fld id="{B61BEF0D-F0BB-DE4B-95CE-6DB70DBA9567}" type="datetimeFigureOut">
               <a:rPr lang="en-US" smtClean="0"/>
               <a:pPr/>
-              <a:t>12/27/2020</a:t>
+              <a:t>9/14/2021</a:t>
             </a:fld>
             <a:endParaRPr lang="en-US" dirty="0"/>
           </a:p>
@@ -4401,7 +4401,7 @@
           <a:p>
             <a:fld id="{42A54C80-263E-416B-A8E0-580EDEADCBDC}" type="datetimeFigureOut">
               <a:rPr lang="en-US" smtClean="0"/>
-              <a:t>12/27/2020</a:t>
+              <a:t>9/14/2021</a:t>
             </a:fld>
             <a:endParaRPr lang="en-US" dirty="0"/>
           </a:p>
@@ -4665,7 +4665,7 @@
             <a:fld id="{B61BEF0D-F0BB-DE4B-95CE-6DB70DBA9567}" type="datetimeFigureOut">
               <a:rPr lang="en-US" smtClean="0"/>
               <a:pPr/>
-              <a:t>12/27/2020</a:t>
+              <a:t>9/14/2021</a:t>
             </a:fld>
             <a:endParaRPr lang="en-US" dirty="0"/>
           </a:p>
@@ -5410,7 +5410,7 @@
             <a:fld id="{B61BEF0D-F0BB-DE4B-95CE-6DB70DBA9567}" type="datetimeFigureOut">
               <a:rPr lang="en-US" smtClean="0"/>
               <a:pPr/>
-              <a:t>12/27/2020</a:t>
+              <a:t>9/14/2021</a:t>
             </a:fld>
             <a:endParaRPr lang="en-US" dirty="0"/>
           </a:p>
@@ -6016,19 +6016,32 @@
         </p:nvSpPr>
         <p:spPr/>
         <p:txBody>
-          <a:bodyPr/>
+          <a:bodyPr>
+            <a:normAutofit lnSpcReduction="10000"/>
+          </a:bodyPr>
           <a:lstStyle/>
           <a:p>
             <a:r>
               <a:rPr lang="zh-TW" altLang="en-US" dirty="0" smtClean="0"/>
-              <a:t>劉崇汎</a:t>
+              <a:t>第一次寫程式嗎？好好品嘗一下吧！</a:t>
+            </a:r>
+            <a:endParaRPr lang="en-US" altLang="zh-TW" dirty="0" smtClean="0"/>
+          </a:p>
+          <a:p>
+            <a:r>
+              <a:rPr lang="zh-TW" altLang="en-US" dirty="0" smtClean="0"/>
+              <a:t>劉</a:t>
+            </a:r>
+            <a:r>
+              <a:rPr lang="zh-TW" altLang="en-US" dirty="0" smtClean="0"/>
+              <a:t>崇汎</a:t>
             </a:r>
             <a:endParaRPr lang="en-US" altLang="zh-TW" dirty="0" smtClean="0"/>
           </a:p>
           <a:p>
             <a:fld id="{7E9E8D7B-1948-44CE-AEB1-217ED767F42F}" type="datetime4">
               <a:rPr lang="zh-TW" altLang="en-US" smtClean="0"/>
-              <a:t>109年12月27日星期日</a:t>
+              <a:t>110年9月14日星期二</a:t>
             </a:fld>
             <a:endParaRPr lang="zh-TW" altLang="en-US" dirty="0"/>
           </a:p>
@@ -7985,7 +7998,7 @@
           <a:p>
             <a:r>
               <a:rPr lang="en-US" altLang="zh-TW" dirty="0" smtClean="0"/>
-              <a:t>(…)</a:t>
+              <a:t>print(…);</a:t>
             </a:r>
             <a:r>
               <a:rPr lang="zh-TW" altLang="en-US" dirty="0" smtClean="0"/>
@@ -10074,15 +10087,32 @@
           <a:p>
             <a:r>
               <a:rPr lang="zh-TW" altLang="en-US" dirty="0" smtClean="0"/>
-              <a:t>一個特別的資料夾存放你的程式碼。</a:t>
+              <a:t>一個特別的資料夾存放你的程式碼</a:t>
+            </a:r>
+            <a:r>
+              <a:rPr lang="zh-TW" altLang="en-US" dirty="0" smtClean="0"/>
+              <a:t>。</a:t>
+            </a:r>
+            <a:r>
+              <a:rPr lang="en-US" altLang="zh-TW" dirty="0" smtClean="0"/>
+              <a:t>(work space)</a:t>
             </a:r>
             <a:endParaRPr lang="en-US" altLang="zh-TW" dirty="0" smtClean="0"/>
           </a:p>
           <a:p>
             <a:r>
               <a:rPr lang="zh-TW" altLang="en-US" dirty="0"/>
-              <a:t>一個筆記本記錄對你有意義的重點。</a:t>
-            </a:r>
+              <a:t>一個筆記本記錄對你有意義的重點</a:t>
+            </a:r>
+            <a:r>
+              <a:rPr lang="zh-TW" altLang="en-US" dirty="0" smtClean="0"/>
+              <a:t>。</a:t>
+            </a:r>
+            <a:r>
+              <a:rPr lang="en-US" altLang="zh-TW" dirty="0" smtClean="0"/>
+              <a:t>(code book)</a:t>
+            </a:r>
+            <a:endParaRPr lang="zh-TW" altLang="en-US" dirty="0"/>
           </a:p>
         </p:txBody>
       </p:sp>
@@ -13543,34 +13573,6 @@
           </p:txBody>
         </p:sp>
       </p:grpSp>
-      <p:sp>
-        <p:nvSpPr>
-          <p:cNvPr id="2" name="矩形 1"/>
-          <p:cNvSpPr/>
-          <p:nvPr/>
-        </p:nvSpPr>
-        <p:spPr>
-          <a:xfrm>
-            <a:off x="3032373" y="3244334"/>
-            <a:ext cx="6127255" cy="369332"/>
-          </a:xfrm>
-          <a:prstGeom prst="rect">
-            <a:avLst/>
-          </a:prstGeom>
-        </p:spPr>
-        <p:txBody>
-          <a:bodyPr wrap="none">
-            <a:spAutoFit/>
-          </a:bodyPr>
-          <a:lstStyle/>
-          <a:p>
-            <a:r>
-              <a:rPr lang="zh-TW" altLang="en-US"/>
-              <a:t>https://github.com/liulawsi/Java-Class-Reference-Codes</a:t>
-            </a:r>
-          </a:p>
-        </p:txBody>
-      </p:sp>
       <p:sp>
         <p:nvSpPr>
           <p:cNvPr id="11" name="文字方塊 10"/>
@@ -19698,13 +19700,10 @@
               <a:t>接著點選下方的</a:t>
             </a:r>
             <a:r>
-              <a:rPr lang="en-US" altLang="zh-TW" dirty="0"/>
-              <a:t>[Next</a:t>
-            </a:r>
-            <a:r>
               <a:rPr lang="en-US" altLang="zh-TW" dirty="0" smtClean="0"/>
-              <a:t>&gt;]</a:t>
-            </a:r>
+              <a:t>[Finish]</a:t>
+            </a:r>
+            <a:endParaRPr lang="en-US" altLang="zh-TW" dirty="0" smtClean="0"/>
           </a:p>
           <a:p>
             <a:r>
@@ -19802,7 +19801,7 @@
         </p:nvSpPr>
         <p:spPr>
           <a:xfrm>
-            <a:off x="9738359" y="6391656"/>
+            <a:off x="10513074" y="6365275"/>
             <a:ext cx="797623" cy="268450"/>
           </a:xfrm>
           <a:prstGeom prst="rect">
@@ -19886,7 +19885,7 @@
         </p:nvSpPr>
         <p:spPr>
           <a:xfrm>
-            <a:off x="9939697" y="6013633"/>
+            <a:off x="10605391" y="6040847"/>
             <a:ext cx="306494" cy="369332"/>
           </a:xfrm>
           <a:prstGeom prst="rect">
@@ -20431,7 +20430,7 @@
         </p:blipFill>
         <p:spPr>
           <a:xfrm>
-            <a:off x="5923807" y="1252728"/>
+            <a:off x="5874268" y="1270000"/>
             <a:ext cx="6106268" cy="5340858"/>
           </a:xfrm>
           <a:prstGeom prst="rect">

--- a/LCC/Java/01_初嘗Java咖啡_HelloWorld.pptx
+++ b/LCC/Java/01_初嘗Java咖啡_HelloWorld.pptx
@@ -33,17 +33,18 @@
     <p:sldId id="268" r:id="rId27"/>
     <p:sldId id="269" r:id="rId28"/>
     <p:sldId id="270" r:id="rId29"/>
-    <p:sldId id="276" r:id="rId30"/>
-    <p:sldId id="278" r:id="rId31"/>
-    <p:sldId id="284" r:id="rId32"/>
-    <p:sldId id="279" r:id="rId33"/>
-    <p:sldId id="285" r:id="rId34"/>
-    <p:sldId id="286" r:id="rId35"/>
-    <p:sldId id="280" r:id="rId36"/>
-    <p:sldId id="281" r:id="rId37"/>
-    <p:sldId id="274" r:id="rId38"/>
-    <p:sldId id="275" r:id="rId39"/>
-    <p:sldId id="283" r:id="rId40"/>
+    <p:sldId id="280" r:id="rId30"/>
+    <p:sldId id="276" r:id="rId31"/>
+    <p:sldId id="281" r:id="rId32"/>
+    <p:sldId id="278" r:id="rId33"/>
+    <p:sldId id="284" r:id="rId34"/>
+    <p:sldId id="279" r:id="rId35"/>
+    <p:sldId id="285" r:id="rId36"/>
+    <p:sldId id="286" r:id="rId37"/>
+    <p:sldId id="295" r:id="rId38"/>
+    <p:sldId id="274" r:id="rId39"/>
+    <p:sldId id="275" r:id="rId40"/>
+    <p:sldId id="283" r:id="rId41"/>
   </p:sldIdLst>
   <p:sldSz cx="12192000" cy="6858000"/>
   <p:notesSz cx="6858000" cy="9144000"/>
@@ -884,7 +885,7 @@
             <a:fld id="{B61BEF0D-F0BB-DE4B-95CE-6DB70DBA9567}" type="datetimeFigureOut">
               <a:rPr lang="en-US" smtClean="0"/>
               <a:pPr/>
-              <a:t>9/14/2021</a:t>
+              <a:t>9/15/2021</a:t>
             </a:fld>
             <a:endParaRPr lang="en-US" dirty="0"/>
           </a:p>
@@ -1137,7 +1138,7 @@
             <a:fld id="{B61BEF0D-F0BB-DE4B-95CE-6DB70DBA9567}" type="datetimeFigureOut">
               <a:rPr lang="en-US" smtClean="0"/>
               <a:pPr/>
-              <a:t>9/14/2021</a:t>
+              <a:t>9/15/2021</a:t>
             </a:fld>
             <a:endParaRPr lang="en-US" dirty="0"/>
           </a:p>
@@ -1453,7 +1454,7 @@
             <a:fld id="{B61BEF0D-F0BB-DE4B-95CE-6DB70DBA9567}" type="datetimeFigureOut">
               <a:rPr lang="en-US" smtClean="0"/>
               <a:pPr/>
-              <a:t>9/14/2021</a:t>
+              <a:t>9/15/2021</a:t>
             </a:fld>
             <a:endParaRPr lang="en-US" dirty="0"/>
           </a:p>
@@ -1796,7 +1797,7 @@
             <a:fld id="{B61BEF0D-F0BB-DE4B-95CE-6DB70DBA9567}" type="datetimeFigureOut">
               <a:rPr lang="en-US" smtClean="0"/>
               <a:pPr/>
-              <a:t>9/14/2021</a:t>
+              <a:t>9/15/2021</a:t>
             </a:fld>
             <a:endParaRPr lang="en-US" dirty="0"/>
           </a:p>
@@ -2112,7 +2113,7 @@
             <a:fld id="{B61BEF0D-F0BB-DE4B-95CE-6DB70DBA9567}" type="datetimeFigureOut">
               <a:rPr lang="en-US" smtClean="0"/>
               <a:pPr/>
-              <a:t>9/14/2021</a:t>
+              <a:t>9/15/2021</a:t>
             </a:fld>
             <a:endParaRPr lang="en-US" dirty="0"/>
           </a:p>
@@ -2507,7 +2508,7 @@
             <a:fld id="{B61BEF0D-F0BB-DE4B-95CE-6DB70DBA9567}" type="datetimeFigureOut">
               <a:rPr lang="en-US" smtClean="0"/>
               <a:pPr/>
-              <a:t>9/14/2021</a:t>
+              <a:t>9/15/2021</a:t>
             </a:fld>
             <a:endParaRPr lang="en-US" dirty="0"/>
           </a:p>
@@ -2678,7 +2679,7 @@
           <a:p>
             <a:fld id="{55C6B4A9-1611-4792-9094-5F34BCA07E0B}" type="datetimeFigureOut">
               <a:rPr lang="en-US" smtClean="0"/>
-              <a:t>9/14/2021</a:t>
+              <a:t>9/15/2021</a:t>
             </a:fld>
             <a:endParaRPr lang="en-US" dirty="0"/>
           </a:p>
@@ -2859,7 +2860,7 @@
             <a:fld id="{B61BEF0D-F0BB-DE4B-95CE-6DB70DBA9567}" type="datetimeFigureOut">
               <a:rPr lang="en-US" smtClean="0"/>
               <a:pPr/>
-              <a:t>9/14/2021</a:t>
+              <a:t>9/15/2021</a:t>
             </a:fld>
             <a:endParaRPr lang="en-US" dirty="0"/>
           </a:p>
@@ -3037,7 +3038,7 @@
             <a:fld id="{B61BEF0D-F0BB-DE4B-95CE-6DB70DBA9567}" type="datetimeFigureOut">
               <a:rPr lang="en-US" smtClean="0"/>
               <a:pPr/>
-              <a:t>9/14/2021</a:t>
+              <a:t>9/15/2021</a:t>
             </a:fld>
             <a:endParaRPr lang="en-US" dirty="0"/>
           </a:p>
@@ -3315,7 +3316,7 @@
             <a:fld id="{B61BEF0D-F0BB-DE4B-95CE-6DB70DBA9567}" type="datetimeFigureOut">
               <a:rPr lang="en-US" smtClean="0"/>
               <a:pPr/>
-              <a:t>9/14/2021</a:t>
+              <a:t>9/15/2021</a:t>
             </a:fld>
             <a:endParaRPr lang="en-US" dirty="0"/>
           </a:p>
@@ -3548,7 +3549,7 @@
           <a:p>
             <a:fld id="{EB712588-04B1-427B-82EE-E8DB90309F08}" type="datetimeFigureOut">
               <a:rPr lang="en-US" smtClean="0"/>
-              <a:t>9/14/2021</a:t>
+              <a:t>9/15/2021</a:t>
             </a:fld>
             <a:endParaRPr lang="en-US" dirty="0"/>
           </a:p>
@@ -3923,7 +3924,7 @@
             <a:fld id="{B61BEF0D-F0BB-DE4B-95CE-6DB70DBA9567}" type="datetimeFigureOut">
               <a:rPr lang="en-US" smtClean="0"/>
               <a:pPr/>
-              <a:t>9/14/2021</a:t>
+              <a:t>9/15/2021</a:t>
             </a:fld>
             <a:endParaRPr lang="en-US" dirty="0"/>
           </a:p>
@@ -4048,7 +4049,7 @@
             <a:fld id="{B61BEF0D-F0BB-DE4B-95CE-6DB70DBA9567}" type="datetimeFigureOut">
               <a:rPr lang="en-US" smtClean="0"/>
               <a:pPr/>
-              <a:t>9/14/2021</a:t>
+              <a:t>9/15/2021</a:t>
             </a:fld>
             <a:endParaRPr lang="en-US" dirty="0"/>
           </a:p>
@@ -4145,7 +4146,7 @@
             <a:fld id="{B61BEF0D-F0BB-DE4B-95CE-6DB70DBA9567}" type="datetimeFigureOut">
               <a:rPr lang="en-US" smtClean="0"/>
               <a:pPr/>
-              <a:t>9/14/2021</a:t>
+              <a:t>9/15/2021</a:t>
             </a:fld>
             <a:endParaRPr lang="en-US" dirty="0"/>
           </a:p>
@@ -4401,7 +4402,7 @@
           <a:p>
             <a:fld id="{42A54C80-263E-416B-A8E0-580EDEADCBDC}" type="datetimeFigureOut">
               <a:rPr lang="en-US" smtClean="0"/>
-              <a:t>9/14/2021</a:t>
+              <a:t>9/15/2021</a:t>
             </a:fld>
             <a:endParaRPr lang="en-US" dirty="0"/>
           </a:p>
@@ -4665,7 +4666,7 @@
             <a:fld id="{B61BEF0D-F0BB-DE4B-95CE-6DB70DBA9567}" type="datetimeFigureOut">
               <a:rPr lang="en-US" smtClean="0"/>
               <a:pPr/>
-              <a:t>9/14/2021</a:t>
+              <a:t>9/15/2021</a:t>
             </a:fld>
             <a:endParaRPr lang="en-US" dirty="0"/>
           </a:p>
@@ -5410,7 +5411,7 @@
             <a:fld id="{B61BEF0D-F0BB-DE4B-95CE-6DB70DBA9567}" type="datetimeFigureOut">
               <a:rPr lang="en-US" smtClean="0"/>
               <a:pPr/>
-              <a:t>9/14/2021</a:t>
+              <a:t>9/15/2021</a:t>
             </a:fld>
             <a:endParaRPr lang="en-US" dirty="0"/>
           </a:p>
@@ -6030,18 +6031,14 @@
           <a:p>
             <a:r>
               <a:rPr lang="zh-TW" altLang="en-US" dirty="0" smtClean="0"/>
-              <a:t>劉</a:t>
-            </a:r>
-            <a:r>
-              <a:rPr lang="zh-TW" altLang="en-US" dirty="0" smtClean="0"/>
-              <a:t>崇汎</a:t>
+              <a:t>劉崇汎</a:t>
             </a:r>
             <a:endParaRPr lang="en-US" altLang="zh-TW" dirty="0" smtClean="0"/>
           </a:p>
           <a:p>
             <a:fld id="{7E9E8D7B-1948-44CE-AEB1-217ED767F42F}" type="datetime4">
               <a:rPr lang="zh-TW" altLang="en-US" smtClean="0"/>
-              <a:t>110年9月14日星期二</a:t>
+              <a:t>110年9月15日星期三</a:t>
             </a:fld>
             <a:endParaRPr lang="zh-TW" altLang="en-US" dirty="0"/>
           </a:p>
@@ -10087,17 +10084,12 @@
           <a:p>
             <a:r>
               <a:rPr lang="zh-TW" altLang="en-US" dirty="0" smtClean="0"/>
-              <a:t>一個特別的資料夾存放你的程式碼</a:t>
-            </a:r>
-            <a:r>
-              <a:rPr lang="zh-TW" altLang="en-US" dirty="0" smtClean="0"/>
-              <a:t>。</a:t>
+              <a:t>一個特別的資料夾存放你的程式碼。</a:t>
             </a:r>
             <a:r>
               <a:rPr lang="en-US" altLang="zh-TW" dirty="0" smtClean="0"/>
               <a:t>(work space)</a:t>
             </a:r>
-            <a:endParaRPr lang="en-US" altLang="zh-TW" dirty="0" smtClean="0"/>
           </a:p>
           <a:p>
             <a:r>
@@ -11172,6 +11164,52 @@
               <a:lumOff val="40000"/>
             </a:schemeClr>
           </a:solidFill>
+        </p:spPr>
+        <p:style>
+          <a:lnRef idx="2">
+            <a:schemeClr val="accent1">
+              <a:shade val="50000"/>
+            </a:schemeClr>
+          </a:lnRef>
+          <a:fillRef idx="1">
+            <a:schemeClr val="accent1"/>
+          </a:fillRef>
+          <a:effectRef idx="0">
+            <a:schemeClr val="accent1"/>
+          </a:effectRef>
+          <a:fontRef idx="minor">
+            <a:schemeClr val="lt1"/>
+          </a:fontRef>
+        </p:style>
+        <p:txBody>
+          <a:bodyPr rtlCol="0" anchor="ctr"/>
+          <a:lstStyle/>
+          <a:p>
+            <a:pPr algn="ctr"/>
+            <a:endParaRPr lang="zh-TW" altLang="en-US"/>
+          </a:p>
+        </p:txBody>
+      </p:sp>
+      <p:sp>
+        <p:nvSpPr>
+          <p:cNvPr id="18" name="矩形 17"/>
+          <p:cNvSpPr/>
+          <p:nvPr/>
+        </p:nvSpPr>
+        <p:spPr>
+          <a:xfrm>
+            <a:off x="7074907" y="5252951"/>
+            <a:ext cx="1898177" cy="282830"/>
+          </a:xfrm>
+          <a:prstGeom prst="rect">
+            <a:avLst/>
+          </a:prstGeom>
+          <a:noFill/>
+          <a:ln w="28575">
+            <a:solidFill>
+              <a:srgbClr val="FF0000"/>
+            </a:solidFill>
+          </a:ln>
         </p:spPr>
         <p:style>
           <a:lnRef idx="2">
@@ -13955,6 +13993,13 @@
   <p:clrMapOvr>
     <a:masterClrMapping/>
   </p:clrMapOvr>
+  <p:timing>
+    <p:tnLst>
+      <p:par>
+        <p:cTn id="1" dur="indefinite" restart="never" nodeType="tmRoot"/>
+      </p:par>
+    </p:tnLst>
+  </p:timing>
 </p:sld>
 </file>
 
@@ -13992,7 +14037,15 @@
           <a:p>
             <a:r>
               <a:rPr lang="zh-TW" altLang="en-US" dirty="0" smtClean="0"/>
-              <a:t>變數</a:t>
+              <a:t>等</a:t>
+            </a:r>
+            <a:r>
+              <a:rPr lang="en-US" altLang="zh-TW" dirty="0" smtClean="0"/>
+              <a:t>(=)</a:t>
+            </a:r>
+            <a:r>
+              <a:rPr lang="zh-TW" altLang="en-US" dirty="0" smtClean="0"/>
+              <a:t>的意義</a:t>
             </a:r>
             <a:endParaRPr lang="zh-TW" altLang="en-US" dirty="0"/>
           </a:p>
@@ -14010,238 +14063,195 @@
         </p:nvSpPr>
         <p:spPr/>
         <p:txBody>
-          <a:bodyPr>
-            <a:normAutofit lnSpcReduction="10000"/>
-          </a:bodyPr>
-          <a:lstStyle/>
-          <a:p>
+          <a:bodyPr/>
+          <a:lstStyle/>
+          <a:p>
+            <a:r>
+              <a:rPr lang="en-US" altLang="zh-TW" dirty="0" smtClean="0"/>
+              <a:t>(=)</a:t>
+            </a:r>
             <a:r>
               <a:rPr lang="zh-TW" altLang="en-US" dirty="0" smtClean="0"/>
-              <a:t>變數是用來儲存你希望電腦記住的東西。</a:t>
+              <a:t>不是數學上的表示相等。</a:t>
             </a:r>
             <a:endParaRPr lang="en-US" altLang="zh-TW" dirty="0" smtClean="0"/>
           </a:p>
           <a:p>
+            <a:r>
+              <a:rPr lang="zh-TW" altLang="en-US" dirty="0"/>
+              <a:t>在程式語言領域，</a:t>
+            </a:r>
+            <a:r>
+              <a:rPr lang="en-US" altLang="zh-TW" dirty="0"/>
+              <a:t>(=)</a:t>
+            </a:r>
+            <a:r>
+              <a:rPr lang="zh-TW" altLang="en-US" dirty="0"/>
+              <a:t>是</a:t>
+            </a:r>
+            <a:r>
+              <a:rPr lang="zh-TW" altLang="en-US" dirty="0" smtClean="0"/>
+              <a:t>指派、指定的</a:t>
+            </a:r>
+            <a:r>
+              <a:rPr lang="zh-TW" altLang="en-US" dirty="0"/>
+              <a:t>意思</a:t>
+            </a:r>
+            <a:r>
+              <a:rPr lang="zh-TW" altLang="en-US" dirty="0" smtClean="0"/>
+              <a:t>。</a:t>
+            </a:r>
+            <a:r>
+              <a:rPr lang="en-US" altLang="zh-TW" dirty="0" smtClean="0"/>
+              <a:t>(</a:t>
+            </a:r>
+            <a:r>
+              <a:rPr lang="en-US" altLang="zh-TW" dirty="0" err="1" smtClean="0"/>
+              <a:t>Assignmemt</a:t>
+            </a:r>
+            <a:r>
+              <a:rPr lang="en-US" altLang="zh-TW" dirty="0" smtClean="0"/>
+              <a:t>  operation)</a:t>
+            </a:r>
+          </a:p>
+          <a:p>
+            <a:r>
+              <a:rPr lang="zh-TW" altLang="en-US" dirty="0"/>
+              <a:t>通常</a:t>
+            </a:r>
+            <a:r>
+              <a:rPr lang="zh-TW" altLang="en-US" dirty="0" smtClean="0"/>
+              <a:t>形式</a:t>
+            </a:r>
+            <a:endParaRPr lang="en-US" altLang="zh-TW" dirty="0" smtClean="0"/>
+          </a:p>
+          <a:p>
             <a:pPr lvl="1"/>
             <a:r>
-              <a:rPr lang="zh-TW" altLang="en-US" b="1" dirty="0" smtClean="0">
-                <a:solidFill>
-                  <a:srgbClr val="C00000"/>
-                </a:solidFill>
-              </a:rPr>
-              <a:t>輸入內容</a:t>
-            </a:r>
-            <a:r>
               <a:rPr lang="zh-TW" altLang="en-US" dirty="0" smtClean="0"/>
-              <a:t>：數字</a:t>
-            </a:r>
+              <a:t>變數</a:t>
+            </a:r>
+            <a:r>
+              <a:rPr lang="en-US" altLang="zh-TW" dirty="0"/>
+              <a:t>= </a:t>
+            </a:r>
+            <a:r>
+              <a:rPr lang="zh-TW" altLang="en-US" dirty="0" smtClean="0"/>
+              <a:t>變數</a:t>
+            </a:r>
+            <a:r>
+              <a:rPr lang="en-US" altLang="zh-TW" dirty="0" smtClean="0"/>
+              <a:t>;</a:t>
+            </a:r>
+          </a:p>
+          <a:p>
+            <a:pPr lvl="1"/>
             <a:r>
               <a:rPr lang="zh-TW" altLang="en-US" dirty="0"/>
-              <a:t>、名字、地址、身高、</a:t>
-            </a:r>
-            <a:r>
-              <a:rPr lang="zh-TW" altLang="en-US" dirty="0" smtClean="0"/>
-              <a:t>體重</a:t>
+              <a:t>變數</a:t>
+            </a:r>
+            <a:r>
+              <a:rPr lang="en-US" altLang="zh-TW" dirty="0"/>
+              <a:t>=</a:t>
+            </a:r>
+            <a:r>
+              <a:rPr lang="zh-TW" altLang="en-US" dirty="0"/>
+              <a:t>運算式</a:t>
+            </a:r>
+            <a:r>
+              <a:rPr lang="en-US" altLang="zh-TW" dirty="0"/>
+              <a:t>;  </a:t>
+            </a:r>
+            <a:r>
+              <a:rPr lang="zh-TW" altLang="en-US" dirty="0"/>
+              <a:t>例如</a:t>
+            </a:r>
+            <a:r>
+              <a:rPr lang="en-US" altLang="zh-TW" dirty="0"/>
+              <a:t>3+5, a+3, </a:t>
             </a:r>
             <a:r>
               <a:rPr lang="en-US" altLang="zh-TW" dirty="0" smtClean="0"/>
-              <a:t>……</a:t>
+              <a:t>b*4</a:t>
             </a:r>
           </a:p>
           <a:p>
             <a:pPr lvl="1"/>
             <a:r>
-              <a:rPr lang="zh-TW" altLang="en-US" b="1" dirty="0">
-                <a:solidFill>
-                  <a:srgbClr val="C00000"/>
-                </a:solidFill>
-              </a:rPr>
-              <a:t>運算</a:t>
-            </a:r>
-            <a:r>
-              <a:rPr lang="zh-TW" altLang="en-US" b="1" dirty="0" smtClean="0">
-                <a:solidFill>
-                  <a:srgbClr val="C00000"/>
-                </a:solidFill>
-              </a:rPr>
-              <a:t>中間值或結果</a:t>
+              <a:rPr lang="zh-TW" altLang="en-US" dirty="0"/>
+              <a:t>變數</a:t>
+            </a:r>
+            <a:r>
+              <a:rPr lang="en-US" altLang="zh-TW" dirty="0"/>
+              <a:t>= new </a:t>
+            </a:r>
+            <a:r>
+              <a:rPr lang="zh-TW" altLang="en-US" dirty="0"/>
+              <a:t>型別</a:t>
+            </a:r>
+            <a:r>
+              <a:rPr lang="en-US" altLang="zh-TW" dirty="0" smtClean="0"/>
+              <a:t>();</a:t>
+            </a:r>
+          </a:p>
+          <a:p>
+            <a:pPr lvl="1"/>
+            <a:r>
+              <a:rPr lang="zh-TW" altLang="en-US" dirty="0"/>
+              <a:t>變數</a:t>
+            </a:r>
+            <a:r>
+              <a:rPr lang="en-US" altLang="zh-TW" dirty="0"/>
+              <a:t>= </a:t>
+            </a:r>
+            <a:r>
+              <a:rPr lang="en-US" altLang="zh-TW" dirty="0" smtClean="0"/>
+              <a:t>new </a:t>
+            </a:r>
+            <a:r>
+              <a:rPr lang="zh-TW" altLang="en-US" dirty="0"/>
+              <a:t>型別</a:t>
+            </a:r>
+            <a:r>
+              <a:rPr lang="en-US" altLang="zh-TW" dirty="0"/>
+              <a:t>[n</a:t>
+            </a:r>
+            <a:r>
+              <a:rPr lang="en-US" altLang="zh-TW" dirty="0" smtClean="0"/>
+              <a:t>];</a:t>
+            </a:r>
+          </a:p>
+          <a:p>
+            <a:r>
+              <a:rPr lang="zh-TW" altLang="en-US" dirty="0"/>
+              <a:t>口語說法</a:t>
             </a:r>
             <a:r>
               <a:rPr lang="zh-TW" altLang="en-US" dirty="0" smtClean="0"/>
               <a:t>：</a:t>
             </a:r>
             <a:r>
-              <a:rPr lang="en-US" altLang="zh-TW" dirty="0" smtClean="0"/>
-              <a:t>BMI</a:t>
-            </a:r>
-            <a:r>
-              <a:rPr lang="zh-TW" altLang="en-US" dirty="0" smtClean="0"/>
-              <a:t>、總和、平均、</a:t>
-            </a:r>
-            <a:r>
-              <a:rPr lang="en-US" altLang="zh-TW" dirty="0" smtClean="0"/>
-              <a:t>……</a:t>
-            </a:r>
-          </a:p>
-          <a:p>
-            <a:r>
-              <a:rPr lang="zh-TW" altLang="en-US" b="1" dirty="0" smtClean="0">
-                <a:solidFill>
-                  <a:srgbClr val="C00000"/>
+              <a:rPr lang="zh-TW" altLang="en-US" b="1" u="sng" dirty="0">
+                <a:solidFill>
+                  <a:srgbClr val="FF0000"/>
                 </a:solidFill>
               </a:rPr>
-              <a:t>變數有不同型態</a:t>
-            </a:r>
-            <a:endParaRPr lang="en-US" altLang="zh-TW" b="1" dirty="0" smtClean="0">
+              <a:t>把右邊的結果或內容存放到左邊的變數裡面。</a:t>
+            </a:r>
+          </a:p>
+          <a:p>
+            <a:endParaRPr lang="zh-TW" altLang="en-US" b="1" u="sng" dirty="0">
               <a:solidFill>
-                <a:srgbClr val="C00000"/>
+                <a:srgbClr val="FF0000"/>
               </a:solidFill>
             </a:endParaRPr>
-          </a:p>
-          <a:p>
-            <a:pPr lvl="1"/>
-            <a:r>
-              <a:rPr lang="zh-TW" altLang="en-US" dirty="0"/>
-              <a:t>整數、浮點</a:t>
-            </a:r>
-            <a:r>
-              <a:rPr lang="zh-TW" altLang="en-US" dirty="0" smtClean="0"/>
-              <a:t>數、字元、字串、布林值、</a:t>
-            </a:r>
-            <a:r>
-              <a:rPr lang="en-US" altLang="zh-TW" dirty="0" smtClean="0"/>
-              <a:t>…..</a:t>
-            </a:r>
-          </a:p>
-          <a:p>
-            <a:r>
-              <a:rPr lang="zh-TW" altLang="en-US" b="1" dirty="0" smtClean="0">
-                <a:solidFill>
-                  <a:srgbClr val="C00000"/>
-                </a:solidFill>
-              </a:rPr>
-              <a:t>變數一定有名字</a:t>
-            </a:r>
-            <a:r>
-              <a:rPr lang="zh-TW" altLang="en-US" dirty="0" smtClean="0"/>
-              <a:t>，以利程式中使用。</a:t>
-            </a:r>
-            <a:endParaRPr lang="en-US" altLang="zh-TW" dirty="0" smtClean="0"/>
-          </a:p>
-          <a:p>
-            <a:r>
-              <a:rPr lang="zh-TW" altLang="en-US" u="sng" dirty="0" smtClean="0"/>
-              <a:t>變數</a:t>
-            </a:r>
-            <a:r>
-              <a:rPr lang="zh-TW" altLang="en-US" u="sng" dirty="0"/>
-              <a:t>要宣告後才能使用</a:t>
-            </a:r>
-            <a:r>
-              <a:rPr lang="en-US" altLang="zh-TW" dirty="0" smtClean="0"/>
-              <a:t>(</a:t>
-            </a:r>
-            <a:r>
-              <a:rPr lang="zh-TW" altLang="en-US" dirty="0" smtClean="0"/>
-              <a:t>新</a:t>
-            </a:r>
-            <a:r>
-              <a:rPr lang="zh-TW" altLang="en-US" dirty="0"/>
-              <a:t>一代語言</a:t>
-            </a:r>
-            <a:r>
-              <a:rPr lang="zh-TW" altLang="en-US" dirty="0" smtClean="0"/>
-              <a:t>不一定</a:t>
-            </a:r>
-            <a:r>
-              <a:rPr lang="en-US" altLang="zh-TW" dirty="0" smtClean="0"/>
-              <a:t>)</a:t>
-            </a:r>
-          </a:p>
-          <a:p>
-            <a:r>
-              <a:rPr lang="zh-TW" altLang="en-US" u="sng" dirty="0"/>
-              <a:t>變數最好都要</a:t>
-            </a:r>
-            <a:r>
-              <a:rPr lang="zh-TW" altLang="en-US" u="sng" dirty="0" smtClean="0"/>
-              <a:t>初始化</a:t>
-            </a:r>
-            <a:r>
-              <a:rPr lang="en-US" altLang="zh-TW" dirty="0" smtClean="0"/>
-              <a:t>(</a:t>
-            </a:r>
-            <a:r>
-              <a:rPr lang="zh-TW" altLang="en-US" dirty="0" smtClean="0"/>
-              <a:t>設定原始內容</a:t>
-            </a:r>
-            <a:r>
-              <a:rPr lang="en-US" altLang="zh-TW" dirty="0" smtClean="0"/>
-              <a:t>)</a:t>
-            </a:r>
-          </a:p>
-          <a:p>
-            <a:r>
-              <a:rPr lang="zh-TW" altLang="en-US" dirty="0"/>
-              <a:t>變數名稱不是任意宣告！</a:t>
-            </a:r>
-            <a:r>
-              <a:rPr lang="en-US" altLang="zh-TW" dirty="0"/>
-              <a:t>(Keyword</a:t>
-            </a:r>
-            <a:r>
-              <a:rPr lang="zh-TW" altLang="en-US" dirty="0"/>
-              <a:t>不能用</a:t>
-            </a:r>
-            <a:r>
-              <a:rPr lang="en-US" altLang="zh-TW" dirty="0" smtClean="0"/>
-              <a:t>)</a:t>
-            </a:r>
-          </a:p>
-          <a:p>
-            <a:r>
-              <a:rPr lang="zh-TW" altLang="en-US" dirty="0"/>
-              <a:t>變數有</a:t>
-            </a:r>
-            <a:r>
-              <a:rPr lang="zh-TW" altLang="en-US" b="1" dirty="0"/>
-              <a:t>區域變數</a:t>
-            </a:r>
-            <a:r>
-              <a:rPr lang="zh-TW" altLang="en-US" dirty="0"/>
-              <a:t>、</a:t>
-            </a:r>
-            <a:r>
-              <a:rPr lang="zh-TW" altLang="en-US" b="1" dirty="0"/>
-              <a:t>全域</a:t>
-            </a:r>
-            <a:r>
-              <a:rPr lang="zh-TW" altLang="en-US" b="1" dirty="0" smtClean="0"/>
-              <a:t>變數</a:t>
-            </a:r>
-            <a:r>
-              <a:rPr lang="zh-TW" altLang="en-US" dirty="0" smtClean="0"/>
-              <a:t>、</a:t>
-            </a:r>
-            <a:r>
-              <a:rPr lang="zh-TW" altLang="en-US" b="1" dirty="0" smtClean="0"/>
-              <a:t>類別變數</a:t>
-            </a:r>
-            <a:r>
-              <a:rPr lang="zh-TW" altLang="en-US" dirty="0" smtClean="0"/>
-              <a:t>等分別，以後會再說明。</a:t>
-            </a:r>
-            <a:endParaRPr lang="en-US" altLang="zh-TW" dirty="0" smtClean="0"/>
-          </a:p>
-          <a:p>
-            <a:endParaRPr lang="en-US" altLang="zh-TW" dirty="0" smtClean="0"/>
           </a:p>
         </p:txBody>
       </p:sp>
     </p:spTree>
     <p:extLst>
       <p:ext uri="{BB962C8B-B14F-4D97-AF65-F5344CB8AC3E}">
-        <p14:creationId xmlns:p14="http://schemas.microsoft.com/office/powerpoint/2010/main" val="2002275853"/>
+        <p14:creationId xmlns:p14="http://schemas.microsoft.com/office/powerpoint/2010/main" val="3925866872"/>
       </p:ext>
     </p:extLst>
   </p:cSld>
@@ -14623,6 +14633,553 @@
           <a:p>
             <a:r>
               <a:rPr lang="zh-TW" altLang="en-US" dirty="0" smtClean="0"/>
+              <a:t>變數</a:t>
+            </a:r>
+            <a:endParaRPr lang="zh-TW" altLang="en-US" dirty="0"/>
+          </a:p>
+        </p:txBody>
+      </p:sp>
+      <p:sp>
+        <p:nvSpPr>
+          <p:cNvPr id="3" name="內容版面配置區 2"/>
+          <p:cNvSpPr>
+            <a:spLocks noGrp="1"/>
+          </p:cNvSpPr>
+          <p:nvPr>
+            <p:ph idx="1"/>
+          </p:nvPr>
+        </p:nvSpPr>
+        <p:spPr/>
+        <p:txBody>
+          <a:bodyPr>
+            <a:normAutofit lnSpcReduction="10000"/>
+          </a:bodyPr>
+          <a:lstStyle/>
+          <a:p>
+            <a:r>
+              <a:rPr lang="zh-TW" altLang="en-US" dirty="0" smtClean="0"/>
+              <a:t>變數是用來儲存你希望電腦記住的東西。</a:t>
+            </a:r>
+            <a:endParaRPr lang="en-US" altLang="zh-TW" dirty="0" smtClean="0"/>
+          </a:p>
+          <a:p>
+            <a:pPr lvl="1"/>
+            <a:r>
+              <a:rPr lang="zh-TW" altLang="en-US" b="1" dirty="0" smtClean="0">
+                <a:solidFill>
+                  <a:srgbClr val="C00000"/>
+                </a:solidFill>
+              </a:rPr>
+              <a:t>輸入內容</a:t>
+            </a:r>
+            <a:r>
+              <a:rPr lang="zh-TW" altLang="en-US" dirty="0" smtClean="0"/>
+              <a:t>：數字</a:t>
+            </a:r>
+            <a:r>
+              <a:rPr lang="zh-TW" altLang="en-US" dirty="0"/>
+              <a:t>、名字、地址、身高、</a:t>
+            </a:r>
+            <a:r>
+              <a:rPr lang="zh-TW" altLang="en-US" dirty="0" smtClean="0"/>
+              <a:t>體重</a:t>
+            </a:r>
+            <a:r>
+              <a:rPr lang="en-US" altLang="zh-TW" dirty="0" smtClean="0"/>
+              <a:t>……</a:t>
+            </a:r>
+          </a:p>
+          <a:p>
+            <a:pPr lvl="1"/>
+            <a:r>
+              <a:rPr lang="zh-TW" altLang="en-US" b="1" dirty="0">
+                <a:solidFill>
+                  <a:srgbClr val="C00000"/>
+                </a:solidFill>
+              </a:rPr>
+              <a:t>運算</a:t>
+            </a:r>
+            <a:r>
+              <a:rPr lang="zh-TW" altLang="en-US" b="1" dirty="0" smtClean="0">
+                <a:solidFill>
+                  <a:srgbClr val="C00000"/>
+                </a:solidFill>
+              </a:rPr>
+              <a:t>中間值或結果</a:t>
+            </a:r>
+            <a:r>
+              <a:rPr lang="zh-TW" altLang="en-US" dirty="0" smtClean="0"/>
+              <a:t>：</a:t>
+            </a:r>
+            <a:r>
+              <a:rPr lang="en-US" altLang="zh-TW" dirty="0" smtClean="0"/>
+              <a:t>BMI</a:t>
+            </a:r>
+            <a:r>
+              <a:rPr lang="zh-TW" altLang="en-US" dirty="0" smtClean="0"/>
+              <a:t>、總和、平均、</a:t>
+            </a:r>
+            <a:r>
+              <a:rPr lang="en-US" altLang="zh-TW" dirty="0" smtClean="0"/>
+              <a:t>……</a:t>
+            </a:r>
+          </a:p>
+          <a:p>
+            <a:r>
+              <a:rPr lang="zh-TW" altLang="en-US" b="1" dirty="0" smtClean="0">
+                <a:solidFill>
+                  <a:srgbClr val="C00000"/>
+                </a:solidFill>
+              </a:rPr>
+              <a:t>變數有不同型態</a:t>
+            </a:r>
+            <a:endParaRPr lang="en-US" altLang="zh-TW" b="1" dirty="0" smtClean="0">
+              <a:solidFill>
+                <a:srgbClr val="C00000"/>
+              </a:solidFill>
+            </a:endParaRPr>
+          </a:p>
+          <a:p>
+            <a:pPr lvl="1"/>
+            <a:r>
+              <a:rPr lang="zh-TW" altLang="en-US" dirty="0"/>
+              <a:t>整數、浮點</a:t>
+            </a:r>
+            <a:r>
+              <a:rPr lang="zh-TW" altLang="en-US" dirty="0" smtClean="0"/>
+              <a:t>數、字元、字串、布林值、</a:t>
+            </a:r>
+            <a:r>
+              <a:rPr lang="en-US" altLang="zh-TW" dirty="0" smtClean="0"/>
+              <a:t>…..</a:t>
+            </a:r>
+          </a:p>
+          <a:p>
+            <a:r>
+              <a:rPr lang="zh-TW" altLang="en-US" b="1" dirty="0" smtClean="0">
+                <a:solidFill>
+                  <a:srgbClr val="C00000"/>
+                </a:solidFill>
+              </a:rPr>
+              <a:t>變數一定有名字</a:t>
+            </a:r>
+            <a:r>
+              <a:rPr lang="zh-TW" altLang="en-US" dirty="0" smtClean="0"/>
+              <a:t>，以利程式中使用。</a:t>
+            </a:r>
+            <a:endParaRPr lang="en-US" altLang="zh-TW" dirty="0" smtClean="0"/>
+          </a:p>
+          <a:p>
+            <a:r>
+              <a:rPr lang="zh-TW" altLang="en-US" u="sng" dirty="0" smtClean="0"/>
+              <a:t>變數</a:t>
+            </a:r>
+            <a:r>
+              <a:rPr lang="zh-TW" altLang="en-US" u="sng" dirty="0"/>
+              <a:t>要宣告後才能使用</a:t>
+            </a:r>
+            <a:r>
+              <a:rPr lang="en-US" altLang="zh-TW" dirty="0" smtClean="0"/>
+              <a:t>(</a:t>
+            </a:r>
+            <a:r>
+              <a:rPr lang="zh-TW" altLang="en-US" dirty="0" smtClean="0"/>
+              <a:t>新</a:t>
+            </a:r>
+            <a:r>
+              <a:rPr lang="zh-TW" altLang="en-US" dirty="0"/>
+              <a:t>一代語言</a:t>
+            </a:r>
+            <a:r>
+              <a:rPr lang="zh-TW" altLang="en-US" dirty="0" smtClean="0"/>
+              <a:t>不一定</a:t>
+            </a:r>
+            <a:r>
+              <a:rPr lang="en-US" altLang="zh-TW" dirty="0" smtClean="0"/>
+              <a:t>)</a:t>
+            </a:r>
+          </a:p>
+          <a:p>
+            <a:r>
+              <a:rPr lang="zh-TW" altLang="en-US" u="sng" dirty="0"/>
+              <a:t>變數最好都要</a:t>
+            </a:r>
+            <a:r>
+              <a:rPr lang="zh-TW" altLang="en-US" u="sng" dirty="0" smtClean="0"/>
+              <a:t>初始化</a:t>
+            </a:r>
+            <a:r>
+              <a:rPr lang="en-US" altLang="zh-TW" dirty="0" smtClean="0"/>
+              <a:t>(</a:t>
+            </a:r>
+            <a:r>
+              <a:rPr lang="zh-TW" altLang="en-US" dirty="0" smtClean="0"/>
+              <a:t>設定原始內容</a:t>
+            </a:r>
+            <a:r>
+              <a:rPr lang="en-US" altLang="zh-TW" dirty="0" smtClean="0"/>
+              <a:t>)</a:t>
+            </a:r>
+          </a:p>
+          <a:p>
+            <a:r>
+              <a:rPr lang="zh-TW" altLang="en-US" dirty="0"/>
+              <a:t>變數名稱不是任意宣告！</a:t>
+            </a:r>
+            <a:r>
+              <a:rPr lang="en-US" altLang="zh-TW" dirty="0"/>
+              <a:t>(Keyword</a:t>
+            </a:r>
+            <a:r>
+              <a:rPr lang="zh-TW" altLang="en-US" dirty="0"/>
+              <a:t>不能用</a:t>
+            </a:r>
+            <a:r>
+              <a:rPr lang="en-US" altLang="zh-TW" dirty="0" smtClean="0"/>
+              <a:t>)</a:t>
+            </a:r>
+          </a:p>
+          <a:p>
+            <a:r>
+              <a:rPr lang="zh-TW" altLang="en-US" dirty="0"/>
+              <a:t>變數有</a:t>
+            </a:r>
+            <a:r>
+              <a:rPr lang="zh-TW" altLang="en-US" b="1" dirty="0"/>
+              <a:t>區域變數</a:t>
+            </a:r>
+            <a:r>
+              <a:rPr lang="zh-TW" altLang="en-US" dirty="0"/>
+              <a:t>、</a:t>
+            </a:r>
+            <a:r>
+              <a:rPr lang="zh-TW" altLang="en-US" b="1" dirty="0"/>
+              <a:t>全域</a:t>
+            </a:r>
+            <a:r>
+              <a:rPr lang="zh-TW" altLang="en-US" b="1" dirty="0" smtClean="0"/>
+              <a:t>變數</a:t>
+            </a:r>
+            <a:r>
+              <a:rPr lang="zh-TW" altLang="en-US" dirty="0" smtClean="0"/>
+              <a:t>、</a:t>
+            </a:r>
+            <a:r>
+              <a:rPr lang="zh-TW" altLang="en-US" b="1" dirty="0" smtClean="0"/>
+              <a:t>類別變數</a:t>
+            </a:r>
+            <a:r>
+              <a:rPr lang="zh-TW" altLang="en-US" dirty="0" smtClean="0"/>
+              <a:t>等分別，以後會再說明。</a:t>
+            </a:r>
+            <a:endParaRPr lang="en-US" altLang="zh-TW" dirty="0" smtClean="0"/>
+          </a:p>
+          <a:p>
+            <a:endParaRPr lang="en-US" altLang="zh-TW" dirty="0" smtClean="0"/>
+          </a:p>
+        </p:txBody>
+      </p:sp>
+    </p:spTree>
+    <p:extLst>
+      <p:ext uri="{BB962C8B-B14F-4D97-AF65-F5344CB8AC3E}">
+        <p14:creationId xmlns:p14="http://schemas.microsoft.com/office/powerpoint/2010/main" val="2002275853"/>
+      </p:ext>
+    </p:extLst>
+  </p:cSld>
+  <p:clrMapOvr>
+    <a:masterClrMapping/>
+  </p:clrMapOvr>
+</p:sld>
+</file>
+
+<file path=ppt/slides/slide31.xml><?xml version="1.0" encoding="utf-8"?>
+<p:sld xmlns:a="http://schemas.openxmlformats.org/drawingml/2006/main" xmlns:r="http://schemas.openxmlformats.org/officeDocument/2006/relationships" xmlns:p="http://schemas.openxmlformats.org/presentationml/2006/main">
+  <p:cSld>
+    <p:spTree>
+      <p:nvGrpSpPr>
+        <p:cNvPr id="1" name=""/>
+        <p:cNvGrpSpPr/>
+        <p:nvPr/>
+      </p:nvGrpSpPr>
+      <p:grpSpPr>
+        <a:xfrm>
+          <a:off x="0" y="0"/>
+          <a:ext cx="0" cy="0"/>
+          <a:chOff x="0" y="0"/>
+          <a:chExt cx="0" cy="0"/>
+        </a:xfrm>
+      </p:grpSpPr>
+      <p:sp>
+        <p:nvSpPr>
+          <p:cNvPr id="2" name="標題 1"/>
+          <p:cNvSpPr>
+            <a:spLocks noGrp="1"/>
+          </p:cNvSpPr>
+          <p:nvPr>
+            <p:ph type="title"/>
+          </p:nvPr>
+        </p:nvSpPr>
+        <p:spPr/>
+        <p:txBody>
+          <a:bodyPr/>
+          <a:lstStyle/>
+          <a:p>
+            <a:r>
+              <a:rPr lang="zh-TW" altLang="en-US" dirty="0" smtClean="0"/>
+              <a:t>取得輸入</a:t>
+            </a:r>
+            <a:r>
+              <a:rPr lang="en-US" altLang="zh-TW" dirty="0" smtClean="0"/>
+              <a:t/>
+            </a:r>
+            <a:br>
+              <a:rPr lang="en-US" altLang="zh-TW" dirty="0" smtClean="0"/>
+            </a:br>
+            <a:r>
+              <a:rPr lang="en-US" altLang="zh-TW" dirty="0" smtClean="0"/>
+              <a:t>Scanner</a:t>
+            </a:r>
+            <a:r>
+              <a:rPr lang="zh-TW" altLang="en-US" dirty="0" smtClean="0"/>
+              <a:t>用法</a:t>
+            </a:r>
+            <a:endParaRPr lang="zh-TW" altLang="en-US" dirty="0"/>
+          </a:p>
+        </p:txBody>
+      </p:sp>
+      <p:sp>
+        <p:nvSpPr>
+          <p:cNvPr id="3" name="內容版面配置區 2"/>
+          <p:cNvSpPr>
+            <a:spLocks noGrp="1"/>
+          </p:cNvSpPr>
+          <p:nvPr>
+            <p:ph idx="1"/>
+          </p:nvPr>
+        </p:nvSpPr>
+        <p:spPr/>
+        <p:txBody>
+          <a:bodyPr>
+            <a:normAutofit lnSpcReduction="10000"/>
+          </a:bodyPr>
+          <a:lstStyle/>
+          <a:p>
+            <a:r>
+              <a:rPr lang="zh-TW" altLang="en-US" dirty="0" smtClean="0"/>
+              <a:t>宣告： </a:t>
+            </a:r>
+            <a:r>
+              <a:rPr lang="en-US" altLang="zh-TW" dirty="0" smtClean="0"/>
+              <a:t>Scanner </a:t>
+            </a:r>
+            <a:r>
+              <a:rPr lang="en-US" altLang="zh-TW" dirty="0" err="1" smtClean="0"/>
+              <a:t>sc</a:t>
+            </a:r>
+            <a:r>
+              <a:rPr lang="en-US" altLang="zh-TW" dirty="0" smtClean="0"/>
+              <a:t> = new Scanner(System.in);</a:t>
+            </a:r>
+          </a:p>
+          <a:p>
+            <a:r>
+              <a:rPr lang="zh-TW" altLang="en-US" dirty="0"/>
+              <a:t>輸入不同型別</a:t>
+            </a:r>
+            <a:r>
+              <a:rPr lang="zh-TW" altLang="en-US" dirty="0" smtClean="0"/>
+              <a:t>的變數用不同方法。</a:t>
+            </a:r>
+            <a:endParaRPr lang="en-US" altLang="zh-TW" dirty="0" smtClean="0"/>
+          </a:p>
+          <a:p>
+            <a:pPr lvl="1"/>
+            <a:r>
+              <a:rPr lang="zh-TW" altLang="en-US" dirty="0"/>
+              <a:t>字串： </a:t>
+            </a:r>
+            <a:r>
+              <a:rPr lang="en-US" altLang="zh-TW" dirty="0" err="1"/>
+              <a:t>sc.next</a:t>
+            </a:r>
+            <a:r>
+              <a:rPr lang="en-US" altLang="zh-TW" dirty="0" smtClean="0"/>
+              <a:t>();</a:t>
+            </a:r>
+          </a:p>
+          <a:p>
+            <a:pPr lvl="1"/>
+            <a:r>
+              <a:rPr lang="en-US" altLang="zh-TW" dirty="0" smtClean="0"/>
+              <a:t>Byte: </a:t>
+            </a:r>
+            <a:r>
+              <a:rPr lang="en-US" altLang="zh-TW" dirty="0" err="1" smtClean="0"/>
+              <a:t>sc.nextByte</a:t>
+            </a:r>
+            <a:r>
+              <a:rPr lang="en-US" altLang="zh-TW" dirty="0" smtClean="0"/>
+              <a:t>();</a:t>
+            </a:r>
+          </a:p>
+          <a:p>
+            <a:pPr lvl="1"/>
+            <a:r>
+              <a:rPr lang="en-US" altLang="zh-TW" dirty="0" smtClean="0"/>
+              <a:t>Short: </a:t>
+            </a:r>
+            <a:r>
+              <a:rPr lang="en-US" altLang="zh-TW" dirty="0" err="1" smtClean="0"/>
+              <a:t>sc.nextShort</a:t>
+            </a:r>
+            <a:r>
+              <a:rPr lang="en-US" altLang="zh-TW" dirty="0" smtClean="0"/>
+              <a:t>();</a:t>
+            </a:r>
+          </a:p>
+          <a:p>
+            <a:pPr lvl="1"/>
+            <a:r>
+              <a:rPr lang="en-US" altLang="zh-TW" dirty="0" err="1" smtClean="0"/>
+              <a:t>Int</a:t>
+            </a:r>
+            <a:r>
+              <a:rPr lang="en-US" altLang="zh-TW" dirty="0" smtClean="0"/>
+              <a:t>: </a:t>
+            </a:r>
+            <a:r>
+              <a:rPr lang="en-US" altLang="zh-TW" dirty="0" err="1" smtClean="0"/>
+              <a:t>sc.nextInt</a:t>
+            </a:r>
+            <a:r>
+              <a:rPr lang="en-US" altLang="zh-TW" dirty="0" smtClean="0"/>
+              <a:t>();</a:t>
+            </a:r>
+          </a:p>
+          <a:p>
+            <a:pPr lvl="1"/>
+            <a:r>
+              <a:rPr lang="en-US" altLang="zh-TW" dirty="0" smtClean="0"/>
+              <a:t>Long: </a:t>
+            </a:r>
+            <a:r>
+              <a:rPr lang="en-US" altLang="zh-TW" dirty="0" err="1" smtClean="0"/>
+              <a:t>sc.nextLong</a:t>
+            </a:r>
+            <a:r>
+              <a:rPr lang="en-US" altLang="zh-TW" dirty="0" smtClean="0"/>
+              <a:t>();</a:t>
+            </a:r>
+          </a:p>
+          <a:p>
+            <a:pPr lvl="1"/>
+            <a:r>
+              <a:rPr lang="en-US" altLang="zh-TW" dirty="0" smtClean="0"/>
+              <a:t>Boolean: </a:t>
+            </a:r>
+            <a:r>
+              <a:rPr lang="en-US" altLang="zh-TW" dirty="0" err="1" smtClean="0"/>
+              <a:t>sc.nextBoolean</a:t>
+            </a:r>
+            <a:r>
+              <a:rPr lang="en-US" altLang="zh-TW" dirty="0" smtClean="0"/>
+              <a:t>();</a:t>
+            </a:r>
+          </a:p>
+          <a:p>
+            <a:pPr lvl="1"/>
+            <a:r>
+              <a:rPr lang="en-US" altLang="zh-TW" dirty="0" smtClean="0"/>
+              <a:t>Float: </a:t>
+            </a:r>
+            <a:r>
+              <a:rPr lang="en-US" altLang="zh-TW" dirty="0" err="1" smtClean="0"/>
+              <a:t>sc.nextFloat</a:t>
+            </a:r>
+            <a:r>
+              <a:rPr lang="en-US" altLang="zh-TW" dirty="0" smtClean="0"/>
+              <a:t>();</a:t>
+            </a:r>
+          </a:p>
+          <a:p>
+            <a:pPr lvl="1"/>
+            <a:r>
+              <a:rPr lang="en-US" altLang="zh-TW" dirty="0" smtClean="0"/>
+              <a:t>Double: </a:t>
+            </a:r>
+            <a:r>
+              <a:rPr lang="en-US" altLang="zh-TW" dirty="0" err="1" smtClean="0"/>
+              <a:t>sc.nextDouble</a:t>
+            </a:r>
+            <a:r>
+              <a:rPr lang="en-US" altLang="zh-TW" dirty="0" smtClean="0"/>
+              <a:t>();</a:t>
+            </a:r>
+          </a:p>
+          <a:p>
+            <a:r>
+              <a:rPr lang="en-US" altLang="zh-TW" dirty="0" err="1" smtClean="0"/>
+              <a:t>sc.hasNext</a:t>
+            </a:r>
+            <a:r>
+              <a:rPr lang="en-US" altLang="zh-TW" dirty="0" smtClean="0"/>
+              <a:t>();  </a:t>
+            </a:r>
+            <a:r>
+              <a:rPr lang="zh-TW" altLang="en-US" smtClean="0"/>
+              <a:t>可以用來判斷是否還有輸入的內容。</a:t>
+            </a:r>
+            <a:endParaRPr lang="zh-TW" altLang="en-US" dirty="0"/>
+          </a:p>
+        </p:txBody>
+      </p:sp>
+    </p:spTree>
+    <p:extLst>
+      <p:ext uri="{BB962C8B-B14F-4D97-AF65-F5344CB8AC3E}">
+        <p14:creationId xmlns:p14="http://schemas.microsoft.com/office/powerpoint/2010/main" val="2551400721"/>
+      </p:ext>
+    </p:extLst>
+  </p:cSld>
+  <p:clrMapOvr>
+    <a:masterClrMapping/>
+  </p:clrMapOvr>
+</p:sld>
+</file>
+
+<file path=ppt/slides/slide32.xml><?xml version="1.0" encoding="utf-8"?>
+<p:sld xmlns:a="http://schemas.openxmlformats.org/drawingml/2006/main" xmlns:r="http://schemas.openxmlformats.org/officeDocument/2006/relationships" xmlns:p="http://schemas.openxmlformats.org/presentationml/2006/main">
+  <p:cSld>
+    <p:spTree>
+      <p:nvGrpSpPr>
+        <p:cNvPr id="1" name=""/>
+        <p:cNvGrpSpPr/>
+        <p:nvPr/>
+      </p:nvGrpSpPr>
+      <p:grpSpPr>
+        <a:xfrm>
+          <a:off x="0" y="0"/>
+          <a:ext cx="0" cy="0"/>
+          <a:chOff x="0" y="0"/>
+          <a:chExt cx="0" cy="0"/>
+        </a:xfrm>
+      </p:grpSpPr>
+      <p:sp>
+        <p:nvSpPr>
+          <p:cNvPr id="2" name="標題 1"/>
+          <p:cNvSpPr>
+            <a:spLocks noGrp="1"/>
+          </p:cNvSpPr>
+          <p:nvPr>
+            <p:ph type="title"/>
+          </p:nvPr>
+        </p:nvSpPr>
+        <p:spPr/>
+        <p:txBody>
+          <a:bodyPr/>
+          <a:lstStyle/>
+          <a:p>
+            <a:r>
+              <a:rPr lang="zh-TW" altLang="en-US" dirty="0" smtClean="0"/>
               <a:t>變數命名規則</a:t>
             </a:r>
             <a:endParaRPr lang="zh-TW" altLang="en-US" dirty="0"/>
@@ -14962,7 +15519,7 @@
 </p:sld>
 </file>
 
-<file path=ppt/slides/slide31.xml><?xml version="1.0" encoding="utf-8"?>
+<file path=ppt/slides/slide33.xml><?xml version="1.0" encoding="utf-8"?>
 <p:sld xmlns:a="http://schemas.openxmlformats.org/drawingml/2006/main" xmlns:r="http://schemas.openxmlformats.org/officeDocument/2006/relationships" xmlns:p="http://schemas.openxmlformats.org/presentationml/2006/main">
   <p:cSld>
     <p:spTree>
@@ -15248,7 +15805,7 @@
 </p:sld>
 </file>
 
-<file path=ppt/slides/slide32.xml><?xml version="1.0" encoding="utf-8"?>
+<file path=ppt/slides/slide34.xml><?xml version="1.0" encoding="utf-8"?>
 <p:sld xmlns:a="http://schemas.openxmlformats.org/drawingml/2006/main" xmlns:r="http://schemas.openxmlformats.org/officeDocument/2006/relationships" xmlns:p="http://schemas.openxmlformats.org/presentationml/2006/main">
   <p:cSld>
     <p:spTree>
@@ -15515,7 +16072,7 @@
 </p:sld>
 </file>
 
-<file path=ppt/slides/slide33.xml><?xml version="1.0" encoding="utf-8"?>
+<file path=ppt/slides/slide35.xml><?xml version="1.0" encoding="utf-8"?>
 <p:sld xmlns:a="http://schemas.openxmlformats.org/drawingml/2006/main" xmlns:r="http://schemas.openxmlformats.org/officeDocument/2006/relationships" xmlns:p="http://schemas.openxmlformats.org/presentationml/2006/main">
   <p:cSld>
     <p:spTree>
@@ -16724,6 +17281,82 @@
           </p:txBody>
         </p:sp>
       </p:grpSp>
+      <p:sp>
+        <p:nvSpPr>
+          <p:cNvPr id="4" name="文字方塊 3"/>
+          <p:cNvSpPr txBox="1"/>
+          <p:nvPr/>
+        </p:nvSpPr>
+        <p:spPr>
+          <a:xfrm>
+            <a:off x="6575837" y="1973735"/>
+            <a:ext cx="3264227" cy="584775"/>
+          </a:xfrm>
+          <a:prstGeom prst="rect">
+            <a:avLst/>
+          </a:prstGeom>
+          <a:noFill/>
+        </p:spPr>
+        <p:txBody>
+          <a:bodyPr wrap="none" rtlCol="0">
+            <a:spAutoFit/>
+          </a:bodyPr>
+          <a:lstStyle/>
+          <a:p>
+            <a:r>
+              <a:rPr lang="zh-TW" altLang="en-US" sz="3200" dirty="0" smtClean="0">
+                <a:solidFill>
+                  <a:srgbClr val="FF0000"/>
+                </a:solidFill>
+                <a:latin typeface="+mn-ea"/>
+              </a:rPr>
+              <a:t>咦</a:t>
+            </a:r>
+            <a:r>
+              <a:rPr lang="en-US" altLang="zh-TW" sz="3200" dirty="0" smtClean="0">
+                <a:solidFill>
+                  <a:srgbClr val="FF0000"/>
+                </a:solidFill>
+                <a:latin typeface="+mn-ea"/>
+              </a:rPr>
+              <a:t>?</a:t>
+            </a:r>
+            <a:r>
+              <a:rPr lang="zh-TW" altLang="en-US" sz="3200" dirty="0" smtClean="0">
+                <a:solidFill>
+                  <a:srgbClr val="FF0000"/>
+                </a:solidFill>
+                <a:latin typeface="+mn-ea"/>
+              </a:rPr>
+              <a:t> </a:t>
+            </a:r>
+            <a:r>
+              <a:rPr lang="en-US" altLang="zh-TW" sz="3200" dirty="0" smtClean="0">
+                <a:solidFill>
+                  <a:srgbClr val="FF0000"/>
+                </a:solidFill>
+                <a:latin typeface="+mn-ea"/>
+              </a:rPr>
+              <a:t>String</a:t>
+            </a:r>
+            <a:r>
+              <a:rPr lang="zh-TW" altLang="en-US" sz="3200" dirty="0" smtClean="0">
+                <a:solidFill>
+                  <a:srgbClr val="FF0000"/>
+                </a:solidFill>
+                <a:latin typeface="+mn-ea"/>
+              </a:rPr>
+              <a:t>呢？？</a:t>
+            </a:r>
+            <a:endParaRPr lang="zh-TW" altLang="en-US" sz="3200" dirty="0">
+              <a:solidFill>
+                <a:srgbClr val="FF0000"/>
+              </a:solidFill>
+              <a:latin typeface="+mn-ea"/>
+            </a:endParaRPr>
+          </a:p>
+        </p:txBody>
+      </p:sp>
     </p:spTree>
     <p:extLst>
       <p:ext uri="{BB962C8B-B14F-4D97-AF65-F5344CB8AC3E}">
@@ -16734,10 +17367,88 @@
   <p:clrMapOvr>
     <a:masterClrMapping/>
   </p:clrMapOvr>
+  <p:timing>
+    <p:tnLst>
+      <p:par>
+        <p:cTn id="1" dur="indefinite" restart="never" nodeType="tmRoot">
+          <p:childTnLst>
+            <p:seq concurrent="1" nextAc="seek">
+              <p:cTn id="2" dur="indefinite" nodeType="mainSeq">
+                <p:childTnLst>
+                  <p:par>
+                    <p:cTn id="3" fill="hold">
+                      <p:stCondLst>
+                        <p:cond delay="indefinite"/>
+                      </p:stCondLst>
+                      <p:childTnLst>
+                        <p:par>
+                          <p:cTn id="4" fill="hold">
+                            <p:stCondLst>
+                              <p:cond delay="0"/>
+                            </p:stCondLst>
+                            <p:childTnLst>
+                              <p:par>
+                                <p:cTn id="5" presetID="1" presetClass="entr" presetSubtype="0" fill="hold" grpId="0" nodeType="clickEffect">
+                                  <p:stCondLst>
+                                    <p:cond delay="0"/>
+                                  </p:stCondLst>
+                                  <p:childTnLst>
+                                    <p:set>
+                                      <p:cBhvr>
+                                        <p:cTn id="6" dur="1" fill="hold">
+                                          <p:stCondLst>
+                                            <p:cond delay="0"/>
+                                          </p:stCondLst>
+                                        </p:cTn>
+                                        <p:tgtEl>
+                                          <p:spTgt spid="4"/>
+                                        </p:tgtEl>
+                                        <p:attrNameLst>
+                                          <p:attrName>style.visibility</p:attrName>
+                                        </p:attrNameLst>
+                                      </p:cBhvr>
+                                      <p:to>
+                                        <p:strVal val="visible"/>
+                                      </p:to>
+                                    </p:set>
+                                  </p:childTnLst>
+                                </p:cTn>
+                              </p:par>
+                            </p:childTnLst>
+                          </p:cTn>
+                        </p:par>
+                      </p:childTnLst>
+                    </p:cTn>
+                  </p:par>
+                </p:childTnLst>
+              </p:cTn>
+              <p:prevCondLst>
+                <p:cond evt="onPrev" delay="0">
+                  <p:tgtEl>
+                    <p:sldTgt/>
+                  </p:tgtEl>
+                </p:cond>
+              </p:prevCondLst>
+              <p:nextCondLst>
+                <p:cond evt="onNext" delay="0">
+                  <p:tgtEl>
+                    <p:sldTgt/>
+                  </p:tgtEl>
+                </p:cond>
+              </p:nextCondLst>
+            </p:seq>
+          </p:childTnLst>
+        </p:cTn>
+      </p:par>
+    </p:tnLst>
+    <p:bldLst>
+      <p:bldP spid="4" grpId="0"/>
+    </p:bldLst>
+  </p:timing>
 </p:sld>
 </file>
 
-<file path=ppt/slides/slide34.xml><?xml version="1.0" encoding="utf-8"?>
+<file path=ppt/slides/slide36.xml><?xml version="1.0" encoding="utf-8"?>
 <p:sld xmlns:a="http://schemas.openxmlformats.org/drawingml/2006/main" xmlns:r="http://schemas.openxmlformats.org/officeDocument/2006/relationships" xmlns:p="http://schemas.openxmlformats.org/presentationml/2006/main">
   <p:cSld>
     <p:spTree>
@@ -16847,10 +17558,17 @@
   <p:clrMapOvr>
     <a:masterClrMapping/>
   </p:clrMapOvr>
+  <p:timing>
+    <p:tnLst>
+      <p:par>
+        <p:cTn id="1" dur="indefinite" restart="never" nodeType="tmRoot"/>
+      </p:par>
+    </p:tnLst>
+  </p:timing>
 </p:sld>
 </file>
 
-<file path=ppt/slides/slide35.xml><?xml version="1.0" encoding="utf-8"?>
+<file path=ppt/slides/slide37.xml><?xml version="1.0" encoding="utf-8"?>
 <p:sld xmlns:a="http://schemas.openxmlformats.org/drawingml/2006/main" xmlns:r="http://schemas.openxmlformats.org/officeDocument/2006/relationships" xmlns:p="http://schemas.openxmlformats.org/presentationml/2006/main">
   <p:cSld>
     <p:spTree>
@@ -16867,6 +17585,47 @@
           <a:chExt cx="0" cy="0"/>
         </a:xfrm>
       </p:grpSpPr>
+      <p:pic>
+        <p:nvPicPr>
+          <p:cNvPr id="1028" name="Picture 4" descr="https://sites.google.com/a/iharrow.org.uk/compsci/_/rsrc/1439759932812/1-1-data-representation/1-1-2-hexadecimal/4-ascii/Standard-ASCII-Table.jpg"/>
+          <p:cNvPicPr>
+            <a:picLocks noChangeAspect="1" noChangeArrowheads="1"/>
+          </p:cNvPicPr>
+          <p:nvPr/>
+        </p:nvPicPr>
+        <p:blipFill>
+          <a:blip r:embed="rId2">
+            <a:extLst>
+              <a:ext uri="{28A0092B-C50C-407E-A947-70E740481C1C}">
+                <a14:useLocalDpi xmlns:a14="http://schemas.microsoft.com/office/drawing/2010/main" val="0"/>
+              </a:ext>
+            </a:extLst>
+          </a:blip>
+          <a:srcRect/>
+          <a:stretch>
+            <a:fillRect/>
+          </a:stretch>
+        </p:blipFill>
+        <p:spPr bwMode="auto">
+          <a:xfrm>
+            <a:off x="1198933" y="1409163"/>
+            <a:ext cx="7323404" cy="5304723"/>
+          </a:xfrm>
+          <a:prstGeom prst="rect">
+            <a:avLst/>
+          </a:prstGeom>
+          <a:noFill/>
+          <a:extLst>
+            <a:ext uri="{909E8E84-426E-40DD-AFC4-6F175D3DCCD1}">
+              <a14:hiddenFill xmlns:a14="http://schemas.microsoft.com/office/drawing/2010/main">
+                <a:solidFill>
+                  <a:srgbClr val="FFFFFF"/>
+                </a:solidFill>
+              </a14:hiddenFill>
+            </a:ext>
+          </a:extLst>
+        </p:spPr>
+      </p:pic>
       <p:sp>
         <p:nvSpPr>
           <p:cNvPr id="2" name="標題 1"/>
@@ -16884,15 +17643,15 @@
           <a:p>
             <a:r>
               <a:rPr lang="zh-TW" altLang="en-US" dirty="0" smtClean="0"/>
-              <a:t>等</a:t>
+              <a:t>說到字元就要說說</a:t>
             </a:r>
             <a:r>
               <a:rPr lang="en-US" altLang="zh-TW" dirty="0" smtClean="0"/>
-              <a:t>(=)</a:t>
+              <a:t>ASCII Code</a:t>
             </a:r>
             <a:r>
               <a:rPr lang="zh-TW" altLang="en-US" dirty="0" smtClean="0"/>
-              <a:t>的意義</a:t>
+              <a:t>啦</a:t>
             </a:r>
             <a:endParaRPr lang="zh-TW" altLang="en-US" dirty="0"/>
           </a:p>
@@ -16900,469 +17659,476 @@
       </p:sp>
       <p:sp>
         <p:nvSpPr>
-          <p:cNvPr id="3" name="內容版面配置區 2"/>
-          <p:cNvSpPr>
-            <a:spLocks noGrp="1"/>
-          </p:cNvSpPr>
-          <p:nvPr>
-            <p:ph idx="1"/>
-          </p:nvPr>
-        </p:nvSpPr>
-        <p:spPr/>
-        <p:txBody>
-          <a:bodyPr/>
-          <a:lstStyle/>
-          <a:p>
-            <a:r>
-              <a:rPr lang="en-US" altLang="zh-TW" dirty="0" smtClean="0"/>
-              <a:t>(=)</a:t>
-            </a:r>
-            <a:r>
-              <a:rPr lang="zh-TW" altLang="en-US" dirty="0" smtClean="0"/>
-              <a:t>不是數學上的表示相等。</a:t>
-            </a:r>
-            <a:endParaRPr lang="en-US" altLang="zh-TW" dirty="0" smtClean="0"/>
-          </a:p>
-          <a:p>
-            <a:r>
-              <a:rPr lang="zh-TW" altLang="en-US" dirty="0"/>
-              <a:t>在程式語言領域，</a:t>
-            </a:r>
-            <a:r>
-              <a:rPr lang="en-US" altLang="zh-TW" dirty="0"/>
-              <a:t>(=)</a:t>
-            </a:r>
-            <a:r>
-              <a:rPr lang="zh-TW" altLang="en-US" dirty="0"/>
-              <a:t>是</a:t>
-            </a:r>
-            <a:r>
-              <a:rPr lang="zh-TW" altLang="en-US" dirty="0" smtClean="0"/>
-              <a:t>指派、指定的</a:t>
-            </a:r>
-            <a:r>
-              <a:rPr lang="zh-TW" altLang="en-US" dirty="0"/>
-              <a:t>意思</a:t>
-            </a:r>
-            <a:r>
-              <a:rPr lang="zh-TW" altLang="en-US" dirty="0" smtClean="0"/>
-              <a:t>。</a:t>
-            </a:r>
-            <a:r>
-              <a:rPr lang="en-US" altLang="zh-TW" dirty="0" smtClean="0"/>
-              <a:t>(</a:t>
-            </a:r>
-            <a:r>
-              <a:rPr lang="en-US" altLang="zh-TW" dirty="0" err="1" smtClean="0"/>
-              <a:t>Assignmemt</a:t>
-            </a:r>
-            <a:r>
-              <a:rPr lang="en-US" altLang="zh-TW" dirty="0" smtClean="0"/>
-              <a:t>  operation)</a:t>
-            </a:r>
-          </a:p>
-          <a:p>
-            <a:r>
-              <a:rPr lang="zh-TW" altLang="en-US" dirty="0"/>
-              <a:t>通常</a:t>
-            </a:r>
-            <a:r>
-              <a:rPr lang="zh-TW" altLang="en-US" dirty="0" smtClean="0"/>
-              <a:t>形式</a:t>
-            </a:r>
-            <a:endParaRPr lang="en-US" altLang="zh-TW" dirty="0" smtClean="0"/>
-          </a:p>
-          <a:p>
-            <a:pPr lvl="1"/>
-            <a:r>
-              <a:rPr lang="zh-TW" altLang="en-US" dirty="0" smtClean="0"/>
-              <a:t>變數</a:t>
-            </a:r>
-            <a:r>
-              <a:rPr lang="en-US" altLang="zh-TW" dirty="0"/>
-              <a:t>= </a:t>
-            </a:r>
-            <a:r>
-              <a:rPr lang="zh-TW" altLang="en-US" dirty="0" smtClean="0"/>
-              <a:t>變數</a:t>
-            </a:r>
-            <a:r>
-              <a:rPr lang="en-US" altLang="zh-TW" dirty="0" smtClean="0"/>
-              <a:t>;</a:t>
-            </a:r>
-          </a:p>
-          <a:p>
-            <a:pPr lvl="1"/>
-            <a:r>
-              <a:rPr lang="zh-TW" altLang="en-US" dirty="0"/>
-              <a:t>變數</a:t>
-            </a:r>
-            <a:r>
-              <a:rPr lang="en-US" altLang="zh-TW" dirty="0"/>
-              <a:t>=</a:t>
-            </a:r>
-            <a:r>
-              <a:rPr lang="zh-TW" altLang="en-US" dirty="0"/>
-              <a:t>運算式</a:t>
-            </a:r>
-            <a:r>
-              <a:rPr lang="en-US" altLang="zh-TW" dirty="0"/>
-              <a:t>;  </a:t>
-            </a:r>
-            <a:r>
-              <a:rPr lang="zh-TW" altLang="en-US" dirty="0"/>
-              <a:t>例如</a:t>
-            </a:r>
-            <a:r>
-              <a:rPr lang="en-US" altLang="zh-TW" dirty="0"/>
-              <a:t>3+5, a+3, </a:t>
-            </a:r>
-            <a:r>
-              <a:rPr lang="en-US" altLang="zh-TW" dirty="0" smtClean="0"/>
-              <a:t>b*4</a:t>
-            </a:r>
-          </a:p>
-          <a:p>
-            <a:pPr lvl="1"/>
-            <a:r>
-              <a:rPr lang="zh-TW" altLang="en-US" dirty="0"/>
-              <a:t>變數</a:t>
-            </a:r>
-            <a:r>
-              <a:rPr lang="en-US" altLang="zh-TW" dirty="0"/>
-              <a:t>= new </a:t>
-            </a:r>
-            <a:r>
-              <a:rPr lang="zh-TW" altLang="en-US" dirty="0"/>
-              <a:t>型別</a:t>
-            </a:r>
-            <a:r>
-              <a:rPr lang="en-US" altLang="zh-TW" dirty="0" smtClean="0"/>
-              <a:t>();</a:t>
-            </a:r>
-          </a:p>
-          <a:p>
-            <a:pPr lvl="1"/>
-            <a:r>
-              <a:rPr lang="zh-TW" altLang="en-US" dirty="0"/>
-              <a:t>變數</a:t>
-            </a:r>
-            <a:r>
-              <a:rPr lang="en-US" altLang="zh-TW" dirty="0"/>
-              <a:t>= </a:t>
-            </a:r>
-            <a:r>
-              <a:rPr lang="en-US" altLang="zh-TW" dirty="0" smtClean="0"/>
-              <a:t>new </a:t>
-            </a:r>
-            <a:r>
-              <a:rPr lang="zh-TW" altLang="en-US" dirty="0"/>
-              <a:t>型別</a:t>
-            </a:r>
-            <a:r>
-              <a:rPr lang="en-US" altLang="zh-TW" dirty="0"/>
-              <a:t>[n</a:t>
-            </a:r>
-            <a:r>
-              <a:rPr lang="en-US" altLang="zh-TW" dirty="0" smtClean="0"/>
-              <a:t>];</a:t>
-            </a:r>
-          </a:p>
-          <a:p>
-            <a:r>
-              <a:rPr lang="zh-TW" altLang="en-US" dirty="0"/>
-              <a:t>口語說法</a:t>
-            </a:r>
-            <a:r>
-              <a:rPr lang="zh-TW" altLang="en-US" dirty="0" smtClean="0"/>
-              <a:t>：</a:t>
-            </a:r>
-            <a:r>
-              <a:rPr lang="zh-TW" altLang="en-US" b="1" u="sng" dirty="0">
-                <a:solidFill>
-                  <a:srgbClr val="FF0000"/>
-                </a:solidFill>
+          <p:cNvPr id="4" name="矩形 3"/>
+          <p:cNvSpPr/>
+          <p:nvPr/>
+        </p:nvSpPr>
+        <p:spPr>
+          <a:xfrm>
+            <a:off x="6788341" y="1785357"/>
+            <a:ext cx="227756" cy="4111241"/>
+          </a:xfrm>
+          <a:prstGeom prst="rect">
+            <a:avLst/>
+          </a:prstGeom>
+          <a:noFill/>
+          <a:ln w="28575">
+            <a:solidFill>
+              <a:srgbClr val="FF0000"/>
+            </a:solidFill>
+          </a:ln>
+        </p:spPr>
+        <p:style>
+          <a:lnRef idx="2">
+            <a:schemeClr val="accent1">
+              <a:shade val="50000"/>
+            </a:schemeClr>
+          </a:lnRef>
+          <a:fillRef idx="1">
+            <a:schemeClr val="accent1"/>
+          </a:fillRef>
+          <a:effectRef idx="0">
+            <a:schemeClr val="accent1"/>
+          </a:effectRef>
+          <a:fontRef idx="minor">
+            <a:schemeClr val="lt1"/>
+          </a:fontRef>
+        </p:style>
+        <p:txBody>
+          <a:bodyPr rtlCol="0" anchor="ctr"/>
+          <a:lstStyle/>
+          <a:p>
+            <a:pPr algn="ctr"/>
+            <a:endParaRPr lang="zh-TW" altLang="en-US"/>
+          </a:p>
+        </p:txBody>
+      </p:sp>
+      <p:sp>
+        <p:nvSpPr>
+          <p:cNvPr id="5" name="矩形 4"/>
+          <p:cNvSpPr/>
+          <p:nvPr/>
+        </p:nvSpPr>
+        <p:spPr>
+          <a:xfrm>
+            <a:off x="8048971" y="1778495"/>
+            <a:ext cx="223358" cy="4118103"/>
+          </a:xfrm>
+          <a:prstGeom prst="rect">
+            <a:avLst/>
+          </a:prstGeom>
+          <a:noFill/>
+          <a:ln w="28575">
+            <a:solidFill>
+              <a:srgbClr val="FF0000"/>
+            </a:solidFill>
+          </a:ln>
+        </p:spPr>
+        <p:style>
+          <a:lnRef idx="2">
+            <a:schemeClr val="accent1">
+              <a:shade val="50000"/>
+            </a:schemeClr>
+          </a:lnRef>
+          <a:fillRef idx="1">
+            <a:schemeClr val="accent1"/>
+          </a:fillRef>
+          <a:effectRef idx="0">
+            <a:schemeClr val="accent1"/>
+          </a:effectRef>
+          <a:fontRef idx="minor">
+            <a:schemeClr val="lt1"/>
+          </a:fontRef>
+        </p:style>
+        <p:txBody>
+          <a:bodyPr rtlCol="0" anchor="ctr"/>
+          <a:lstStyle/>
+          <a:p>
+            <a:pPr algn="ctr"/>
+            <a:endParaRPr lang="zh-TW" altLang="en-US"/>
+          </a:p>
+        </p:txBody>
+      </p:sp>
+      <p:sp>
+        <p:nvSpPr>
+          <p:cNvPr id="6" name="矩形 5"/>
+          <p:cNvSpPr/>
+          <p:nvPr/>
+        </p:nvSpPr>
+        <p:spPr>
+          <a:xfrm>
+            <a:off x="5457076" y="4148692"/>
+            <a:ext cx="242969" cy="1632247"/>
+          </a:xfrm>
+          <a:prstGeom prst="rect">
+            <a:avLst/>
+          </a:prstGeom>
+          <a:noFill/>
+          <a:ln w="28575">
+            <a:solidFill>
+              <a:srgbClr val="FF0000"/>
+            </a:solidFill>
+          </a:ln>
+        </p:spPr>
+        <p:style>
+          <a:lnRef idx="2">
+            <a:schemeClr val="accent1">
+              <a:shade val="50000"/>
+            </a:schemeClr>
+          </a:lnRef>
+          <a:fillRef idx="1">
+            <a:schemeClr val="accent1"/>
+          </a:fillRef>
+          <a:effectRef idx="0">
+            <a:schemeClr val="accent1"/>
+          </a:effectRef>
+          <a:fontRef idx="minor">
+            <a:schemeClr val="lt1"/>
+          </a:fontRef>
+        </p:style>
+        <p:txBody>
+          <a:bodyPr rtlCol="0" anchor="ctr"/>
+          <a:lstStyle/>
+          <a:p>
+            <a:pPr algn="ctr"/>
+            <a:endParaRPr lang="zh-TW" altLang="en-US"/>
+          </a:p>
+        </p:txBody>
+      </p:sp>
+      <p:cxnSp>
+        <p:nvCxnSpPr>
+          <p:cNvPr id="12" name="直線單箭頭接點 11"/>
+          <p:cNvCxnSpPr/>
+          <p:nvPr/>
+        </p:nvCxnSpPr>
+        <p:spPr>
+          <a:xfrm flipV="1">
+            <a:off x="5161657" y="1731397"/>
+            <a:ext cx="334461" cy="288479"/>
+          </a:xfrm>
+          <a:prstGeom prst="straightConnector1">
+            <a:avLst/>
+          </a:prstGeom>
+          <a:ln>
+            <a:solidFill>
+              <a:srgbClr val="FF0000"/>
+            </a:solidFill>
+            <a:tailEnd type="triangle"/>
+          </a:ln>
+        </p:spPr>
+        <p:style>
+          <a:lnRef idx="1">
+            <a:schemeClr val="accent1"/>
+          </a:lnRef>
+          <a:fillRef idx="0">
+            <a:schemeClr val="accent1"/>
+          </a:fillRef>
+          <a:effectRef idx="0">
+            <a:schemeClr val="accent1"/>
+          </a:effectRef>
+          <a:fontRef idx="minor">
+            <a:schemeClr val="tx1"/>
+          </a:fontRef>
+        </p:style>
+      </p:cxnSp>
+      <p:cxnSp>
+        <p:nvCxnSpPr>
+          <p:cNvPr id="14" name="直線單箭頭接點 13"/>
+          <p:cNvCxnSpPr/>
+          <p:nvPr/>
+        </p:nvCxnSpPr>
+        <p:spPr>
+          <a:xfrm flipV="1">
+            <a:off x="1681714" y="3323779"/>
+            <a:ext cx="334461" cy="288479"/>
+          </a:xfrm>
+          <a:prstGeom prst="straightConnector1">
+            <a:avLst/>
+          </a:prstGeom>
+          <a:ln>
+            <a:solidFill>
+              <a:srgbClr val="FF0000"/>
+            </a:solidFill>
+            <a:tailEnd type="triangle"/>
+          </a:ln>
+        </p:spPr>
+        <p:style>
+          <a:lnRef idx="1">
+            <a:schemeClr val="accent1"/>
+          </a:lnRef>
+          <a:fillRef idx="0">
+            <a:schemeClr val="accent1"/>
+          </a:fillRef>
+          <a:effectRef idx="0">
+            <a:schemeClr val="accent1"/>
+          </a:effectRef>
+          <a:fontRef idx="minor">
+            <a:schemeClr val="tx1"/>
+          </a:fontRef>
+        </p:style>
+      </p:cxnSp>
+      <p:cxnSp>
+        <p:nvCxnSpPr>
+          <p:cNvPr id="15" name="直線單箭頭接點 14"/>
+          <p:cNvCxnSpPr/>
+          <p:nvPr/>
+        </p:nvCxnSpPr>
+        <p:spPr>
+          <a:xfrm flipV="1">
+            <a:off x="1715898" y="3794897"/>
+            <a:ext cx="334461" cy="288479"/>
+          </a:xfrm>
+          <a:prstGeom prst="straightConnector1">
+            <a:avLst/>
+          </a:prstGeom>
+          <a:ln>
+            <a:solidFill>
+              <a:srgbClr val="FF0000"/>
+            </a:solidFill>
+            <a:tailEnd type="triangle"/>
+          </a:ln>
+        </p:spPr>
+        <p:style>
+          <a:lnRef idx="1">
+            <a:schemeClr val="accent1"/>
+          </a:lnRef>
+          <a:fillRef idx="0">
+            <a:schemeClr val="accent1"/>
+          </a:fillRef>
+          <a:effectRef idx="0">
+            <a:schemeClr val="accent1"/>
+          </a:effectRef>
+          <a:fontRef idx="minor">
+            <a:schemeClr val="tx1"/>
+          </a:fontRef>
+        </p:style>
+      </p:cxnSp>
+      <p:cxnSp>
+        <p:nvCxnSpPr>
+          <p:cNvPr id="16" name="直線單箭頭接點 15"/>
+          <p:cNvCxnSpPr/>
+          <p:nvPr/>
+        </p:nvCxnSpPr>
+        <p:spPr>
+          <a:xfrm flipV="1">
+            <a:off x="1715897" y="6025496"/>
+            <a:ext cx="334461" cy="288479"/>
+          </a:xfrm>
+          <a:prstGeom prst="straightConnector1">
+            <a:avLst/>
+          </a:prstGeom>
+          <a:ln>
+            <a:solidFill>
+              <a:srgbClr val="FF0000"/>
+            </a:solidFill>
+            <a:tailEnd type="triangle"/>
+          </a:ln>
+        </p:spPr>
+        <p:style>
+          <a:lnRef idx="1">
+            <a:schemeClr val="accent1"/>
+          </a:lnRef>
+          <a:fillRef idx="0">
+            <a:schemeClr val="accent1"/>
+          </a:fillRef>
+          <a:effectRef idx="0">
+            <a:schemeClr val="accent1"/>
+          </a:effectRef>
+          <a:fontRef idx="minor">
+            <a:schemeClr val="tx1"/>
+          </a:fontRef>
+        </p:style>
+      </p:cxnSp>
+      <p:cxnSp>
+        <p:nvCxnSpPr>
+          <p:cNvPr id="17" name="直線單箭頭接點 16"/>
+          <p:cNvCxnSpPr/>
+          <p:nvPr/>
+        </p:nvCxnSpPr>
+        <p:spPr>
+          <a:xfrm flipV="1">
+            <a:off x="1722917" y="2832849"/>
+            <a:ext cx="334461" cy="288479"/>
+          </a:xfrm>
+          <a:prstGeom prst="straightConnector1">
+            <a:avLst/>
+          </a:prstGeom>
+          <a:ln>
+            <a:solidFill>
+              <a:srgbClr val="FF0000"/>
+            </a:solidFill>
+            <a:tailEnd type="triangle"/>
+          </a:ln>
+        </p:spPr>
+        <p:style>
+          <a:lnRef idx="1">
+            <a:schemeClr val="accent1"/>
+          </a:lnRef>
+          <a:fillRef idx="0">
+            <a:schemeClr val="accent1"/>
+          </a:fillRef>
+          <a:effectRef idx="0">
+            <a:schemeClr val="accent1"/>
+          </a:effectRef>
+          <a:fontRef idx="minor">
+            <a:schemeClr val="tx1"/>
+          </a:fontRef>
+        </p:style>
+      </p:cxnSp>
+      <p:sp>
+        <p:nvSpPr>
+          <p:cNvPr id="10" name="矩形 9"/>
+          <p:cNvSpPr/>
+          <p:nvPr/>
+        </p:nvSpPr>
+        <p:spPr>
+          <a:xfrm>
+            <a:off x="1157372" y="1135595"/>
+            <a:ext cx="7003278" cy="307777"/>
+          </a:xfrm>
+          <a:prstGeom prst="rect">
+            <a:avLst/>
+          </a:prstGeom>
+        </p:spPr>
+        <p:txBody>
+          <a:bodyPr wrap="square">
+            <a:spAutoFit/>
+          </a:bodyPr>
+          <a:lstStyle/>
+          <a:p>
+            <a:r>
+              <a:rPr lang="en-US" altLang="zh-TW" sz="1400" b="1" dirty="0">
+                <a:solidFill>
+                  <a:srgbClr val="202122"/>
+                </a:solidFill>
+                <a:latin typeface="Arial" panose="020B0604020202020204" pitchFamily="34" charset="0"/>
               </a:rPr>
-              <a:t>把右邊的結果或內容存放到左邊的變數裡面。</a:t>
-            </a:r>
-          </a:p>
-          <a:p>
-            <a:endParaRPr lang="zh-TW" altLang="en-US" b="1" u="sng" dirty="0">
-              <a:solidFill>
-                <a:srgbClr val="FF0000"/>
-              </a:solidFill>
-            </a:endParaRPr>
+              <a:t>A</a:t>
+            </a:r>
+            <a:r>
+              <a:rPr lang="en-US" altLang="zh-TW" sz="1400" dirty="0">
+                <a:solidFill>
+                  <a:srgbClr val="202122"/>
+                </a:solidFill>
+                <a:latin typeface="Arial" panose="020B0604020202020204" pitchFamily="34" charset="0"/>
+              </a:rPr>
+              <a:t>merican </a:t>
+            </a:r>
+            <a:r>
+              <a:rPr lang="en-US" altLang="zh-TW" sz="1400" b="1" dirty="0">
+                <a:solidFill>
+                  <a:srgbClr val="202122"/>
+                </a:solidFill>
+                <a:latin typeface="Arial" panose="020B0604020202020204" pitchFamily="34" charset="0"/>
+              </a:rPr>
+              <a:t>S</a:t>
+            </a:r>
+            <a:r>
+              <a:rPr lang="en-US" altLang="zh-TW" sz="1400" dirty="0">
+                <a:solidFill>
+                  <a:srgbClr val="202122"/>
+                </a:solidFill>
+                <a:latin typeface="Arial" panose="020B0604020202020204" pitchFamily="34" charset="0"/>
+              </a:rPr>
+              <a:t>tandard </a:t>
+            </a:r>
+            <a:r>
+              <a:rPr lang="en-US" altLang="zh-TW" sz="1400" b="1" dirty="0">
+                <a:solidFill>
+                  <a:srgbClr val="202122"/>
+                </a:solidFill>
+                <a:latin typeface="Arial" panose="020B0604020202020204" pitchFamily="34" charset="0"/>
+              </a:rPr>
+              <a:t>C</a:t>
+            </a:r>
+            <a:r>
+              <a:rPr lang="en-US" altLang="zh-TW" sz="1400" dirty="0">
+                <a:solidFill>
+                  <a:srgbClr val="202122"/>
+                </a:solidFill>
+                <a:latin typeface="Arial" panose="020B0604020202020204" pitchFamily="34" charset="0"/>
+              </a:rPr>
+              <a:t>ode for </a:t>
+            </a:r>
+            <a:r>
+              <a:rPr lang="en-US" altLang="zh-TW" sz="1400" b="1" dirty="0">
+                <a:solidFill>
+                  <a:srgbClr val="202122"/>
+                </a:solidFill>
+                <a:latin typeface="Arial" panose="020B0604020202020204" pitchFamily="34" charset="0"/>
+              </a:rPr>
+              <a:t>I</a:t>
+            </a:r>
+            <a:r>
+              <a:rPr lang="en-US" altLang="zh-TW" sz="1400" dirty="0">
+                <a:solidFill>
+                  <a:srgbClr val="202122"/>
+                </a:solidFill>
+                <a:latin typeface="Arial" panose="020B0604020202020204" pitchFamily="34" charset="0"/>
+              </a:rPr>
+              <a:t>nformation </a:t>
+            </a:r>
+            <a:r>
+              <a:rPr lang="en-US" altLang="zh-TW" sz="1400" b="1" dirty="0">
+                <a:solidFill>
+                  <a:srgbClr val="202122"/>
+                </a:solidFill>
+                <a:latin typeface="Arial" panose="020B0604020202020204" pitchFamily="34" charset="0"/>
+              </a:rPr>
+              <a:t>I</a:t>
+            </a:r>
+            <a:r>
+              <a:rPr lang="en-US" altLang="zh-TW" sz="1400" dirty="0">
+                <a:solidFill>
+                  <a:srgbClr val="202122"/>
+                </a:solidFill>
+                <a:latin typeface="Arial" panose="020B0604020202020204" pitchFamily="34" charset="0"/>
+              </a:rPr>
+              <a:t>nterchange</a:t>
+            </a:r>
+            <a:r>
+              <a:rPr lang="zh-TW" altLang="en-US" sz="1400" dirty="0">
+                <a:solidFill>
+                  <a:srgbClr val="202122"/>
+                </a:solidFill>
+                <a:latin typeface="Arial" panose="020B0604020202020204" pitchFamily="34" charset="0"/>
+              </a:rPr>
+              <a:t>，</a:t>
+            </a:r>
+            <a:r>
+              <a:rPr lang="zh-TW" altLang="en-US" sz="1400" b="1" dirty="0">
+                <a:solidFill>
+                  <a:srgbClr val="202122"/>
+                </a:solidFill>
+                <a:latin typeface="Arial" panose="020B0604020202020204" pitchFamily="34" charset="0"/>
+              </a:rPr>
+              <a:t>美國資訊交換標準代碼</a:t>
+            </a:r>
+            <a:endParaRPr lang="zh-TW" altLang="en-US" sz="1400" dirty="0"/>
           </a:p>
         </p:txBody>
       </p:sp>
     </p:spTree>
     <p:extLst>
       <p:ext uri="{BB962C8B-B14F-4D97-AF65-F5344CB8AC3E}">
-        <p14:creationId xmlns:p14="http://schemas.microsoft.com/office/powerpoint/2010/main" val="3925866872"/>
+        <p14:creationId xmlns:p14="http://schemas.microsoft.com/office/powerpoint/2010/main" val="3847838484"/>
       </p:ext>
     </p:extLst>
   </p:cSld>
   <p:clrMapOvr>
     <a:masterClrMapping/>
   </p:clrMapOvr>
+  <p:timing>
+    <p:tnLst>
+      <p:par>
+        <p:cTn id="1" dur="indefinite" restart="never" nodeType="tmRoot"/>
+      </p:par>
+    </p:tnLst>
+  </p:timing>
 </p:sld>
 </file>
 
-<file path=ppt/slides/slide36.xml><?xml version="1.0" encoding="utf-8"?>
-<p:sld xmlns:a="http://schemas.openxmlformats.org/drawingml/2006/main" xmlns:r="http://schemas.openxmlformats.org/officeDocument/2006/relationships" xmlns:p="http://schemas.openxmlformats.org/presentationml/2006/main">
-  <p:cSld>
-    <p:spTree>
-      <p:nvGrpSpPr>
-        <p:cNvPr id="1" name=""/>
-        <p:cNvGrpSpPr/>
-        <p:nvPr/>
-      </p:nvGrpSpPr>
-      <p:grpSpPr>
-        <a:xfrm>
-          <a:off x="0" y="0"/>
-          <a:ext cx="0" cy="0"/>
-          <a:chOff x="0" y="0"/>
-          <a:chExt cx="0" cy="0"/>
-        </a:xfrm>
-      </p:grpSpPr>
-      <p:sp>
-        <p:nvSpPr>
-          <p:cNvPr id="2" name="標題 1"/>
-          <p:cNvSpPr>
-            <a:spLocks noGrp="1"/>
-          </p:cNvSpPr>
-          <p:nvPr>
-            <p:ph type="title"/>
-          </p:nvPr>
-        </p:nvSpPr>
-        <p:spPr/>
-        <p:txBody>
-          <a:bodyPr/>
-          <a:lstStyle/>
-          <a:p>
-            <a:r>
-              <a:rPr lang="zh-TW" altLang="en-US" dirty="0" smtClean="0"/>
-              <a:t>取得輸入</a:t>
-            </a:r>
-            <a:r>
-              <a:rPr lang="en-US" altLang="zh-TW" dirty="0" smtClean="0"/>
-              <a:t/>
-            </a:r>
-            <a:br>
-              <a:rPr lang="en-US" altLang="zh-TW" dirty="0" smtClean="0"/>
-            </a:br>
-            <a:r>
-              <a:rPr lang="en-US" altLang="zh-TW" dirty="0" smtClean="0"/>
-              <a:t>Scanner</a:t>
-            </a:r>
-            <a:r>
-              <a:rPr lang="zh-TW" altLang="en-US" dirty="0" smtClean="0"/>
-              <a:t>用法</a:t>
-            </a:r>
-            <a:endParaRPr lang="zh-TW" altLang="en-US" dirty="0"/>
-          </a:p>
-        </p:txBody>
-      </p:sp>
-      <p:sp>
-        <p:nvSpPr>
-          <p:cNvPr id="3" name="內容版面配置區 2"/>
-          <p:cNvSpPr>
-            <a:spLocks noGrp="1"/>
-          </p:cNvSpPr>
-          <p:nvPr>
-            <p:ph idx="1"/>
-          </p:nvPr>
-        </p:nvSpPr>
-        <p:spPr/>
-        <p:txBody>
-          <a:bodyPr>
-            <a:normAutofit lnSpcReduction="10000"/>
-          </a:bodyPr>
-          <a:lstStyle/>
-          <a:p>
-            <a:r>
-              <a:rPr lang="zh-TW" altLang="en-US" dirty="0" smtClean="0"/>
-              <a:t>宣告： </a:t>
-            </a:r>
-            <a:r>
-              <a:rPr lang="en-US" altLang="zh-TW" dirty="0" smtClean="0"/>
-              <a:t>Scanner </a:t>
-            </a:r>
-            <a:r>
-              <a:rPr lang="en-US" altLang="zh-TW" dirty="0" err="1" smtClean="0"/>
-              <a:t>sc</a:t>
-            </a:r>
-            <a:r>
-              <a:rPr lang="en-US" altLang="zh-TW" dirty="0" smtClean="0"/>
-              <a:t> = new Scanner(System.in);</a:t>
-            </a:r>
-          </a:p>
-          <a:p>
-            <a:r>
-              <a:rPr lang="zh-TW" altLang="en-US" dirty="0"/>
-              <a:t>輸入不同型別</a:t>
-            </a:r>
-            <a:r>
-              <a:rPr lang="zh-TW" altLang="en-US" dirty="0" smtClean="0"/>
-              <a:t>的變數用不同方法。</a:t>
-            </a:r>
-            <a:endParaRPr lang="en-US" altLang="zh-TW" dirty="0" smtClean="0"/>
-          </a:p>
-          <a:p>
-            <a:pPr lvl="1"/>
-            <a:r>
-              <a:rPr lang="zh-TW" altLang="en-US" dirty="0"/>
-              <a:t>字串： </a:t>
-            </a:r>
-            <a:r>
-              <a:rPr lang="en-US" altLang="zh-TW" dirty="0" err="1"/>
-              <a:t>sc.next</a:t>
-            </a:r>
-            <a:r>
-              <a:rPr lang="en-US" altLang="zh-TW" dirty="0" smtClean="0"/>
-              <a:t>();</a:t>
-            </a:r>
-          </a:p>
-          <a:p>
-            <a:pPr lvl="1"/>
-            <a:r>
-              <a:rPr lang="en-US" altLang="zh-TW" dirty="0" smtClean="0"/>
-              <a:t>Byte: </a:t>
-            </a:r>
-            <a:r>
-              <a:rPr lang="en-US" altLang="zh-TW" dirty="0" err="1" smtClean="0"/>
-              <a:t>sc.nextByte</a:t>
-            </a:r>
-            <a:r>
-              <a:rPr lang="en-US" altLang="zh-TW" dirty="0" smtClean="0"/>
-              <a:t>();</a:t>
-            </a:r>
-          </a:p>
-          <a:p>
-            <a:pPr lvl="1"/>
-            <a:r>
-              <a:rPr lang="en-US" altLang="zh-TW" dirty="0" smtClean="0"/>
-              <a:t>Short: </a:t>
-            </a:r>
-            <a:r>
-              <a:rPr lang="en-US" altLang="zh-TW" dirty="0" err="1" smtClean="0"/>
-              <a:t>sc.nextShort</a:t>
-            </a:r>
-            <a:r>
-              <a:rPr lang="en-US" altLang="zh-TW" dirty="0" smtClean="0"/>
-              <a:t>();</a:t>
-            </a:r>
-          </a:p>
-          <a:p>
-            <a:pPr lvl="1"/>
-            <a:r>
-              <a:rPr lang="en-US" altLang="zh-TW" dirty="0" err="1" smtClean="0"/>
-              <a:t>Int</a:t>
-            </a:r>
-            <a:r>
-              <a:rPr lang="en-US" altLang="zh-TW" dirty="0" smtClean="0"/>
-              <a:t>: </a:t>
-            </a:r>
-            <a:r>
-              <a:rPr lang="en-US" altLang="zh-TW" dirty="0" err="1" smtClean="0"/>
-              <a:t>sc.nextInt</a:t>
-            </a:r>
-            <a:r>
-              <a:rPr lang="en-US" altLang="zh-TW" dirty="0" smtClean="0"/>
-              <a:t>();</a:t>
-            </a:r>
-          </a:p>
-          <a:p>
-            <a:pPr lvl="1"/>
-            <a:r>
-              <a:rPr lang="en-US" altLang="zh-TW" dirty="0" smtClean="0"/>
-              <a:t>Long: </a:t>
-            </a:r>
-            <a:r>
-              <a:rPr lang="en-US" altLang="zh-TW" dirty="0" err="1" smtClean="0"/>
-              <a:t>sc.nextLong</a:t>
-            </a:r>
-            <a:r>
-              <a:rPr lang="en-US" altLang="zh-TW" dirty="0" smtClean="0"/>
-              <a:t>();</a:t>
-            </a:r>
-          </a:p>
-          <a:p>
-            <a:pPr lvl="1"/>
-            <a:r>
-              <a:rPr lang="en-US" altLang="zh-TW" dirty="0" smtClean="0"/>
-              <a:t>Boolean: </a:t>
-            </a:r>
-            <a:r>
-              <a:rPr lang="en-US" altLang="zh-TW" dirty="0" err="1" smtClean="0"/>
-              <a:t>sc.nextBoolean</a:t>
-            </a:r>
-            <a:r>
-              <a:rPr lang="en-US" altLang="zh-TW" dirty="0" smtClean="0"/>
-              <a:t>();</a:t>
-            </a:r>
-          </a:p>
-          <a:p>
-            <a:pPr lvl="1"/>
-            <a:r>
-              <a:rPr lang="en-US" altLang="zh-TW" dirty="0" smtClean="0"/>
-              <a:t>Float: </a:t>
-            </a:r>
-            <a:r>
-              <a:rPr lang="en-US" altLang="zh-TW" dirty="0" err="1" smtClean="0"/>
-              <a:t>sc.nextFloat</a:t>
-            </a:r>
-            <a:r>
-              <a:rPr lang="en-US" altLang="zh-TW" dirty="0" smtClean="0"/>
-              <a:t>();</a:t>
-            </a:r>
-          </a:p>
-          <a:p>
-            <a:pPr lvl="1"/>
-            <a:r>
-              <a:rPr lang="en-US" altLang="zh-TW" dirty="0" smtClean="0"/>
-              <a:t>Double: </a:t>
-            </a:r>
-            <a:r>
-              <a:rPr lang="en-US" altLang="zh-TW" dirty="0" err="1" smtClean="0"/>
-              <a:t>sc.nextDouble</a:t>
-            </a:r>
-            <a:r>
-              <a:rPr lang="en-US" altLang="zh-TW" dirty="0" smtClean="0"/>
-              <a:t>();</a:t>
-            </a:r>
-          </a:p>
-          <a:p>
-            <a:r>
-              <a:rPr lang="en-US" altLang="zh-TW" dirty="0" err="1" smtClean="0"/>
-              <a:t>sc.hasNext</a:t>
-            </a:r>
-            <a:r>
-              <a:rPr lang="en-US" altLang="zh-TW" dirty="0" smtClean="0"/>
-              <a:t>();  </a:t>
-            </a:r>
-            <a:r>
-              <a:rPr lang="zh-TW" altLang="en-US" smtClean="0"/>
-              <a:t>可以用來判斷是否還有輸入的內容。</a:t>
-            </a:r>
-            <a:endParaRPr lang="zh-TW" altLang="en-US" dirty="0"/>
-          </a:p>
-        </p:txBody>
-      </p:sp>
-    </p:spTree>
-    <p:extLst>
-      <p:ext uri="{BB962C8B-B14F-4D97-AF65-F5344CB8AC3E}">
-        <p14:creationId xmlns:p14="http://schemas.microsoft.com/office/powerpoint/2010/main" val="2551400721"/>
-      </p:ext>
-    </p:extLst>
-  </p:cSld>
-  <p:clrMapOvr>
-    <a:masterClrMapping/>
-  </p:clrMapOvr>
-</p:sld>
-</file>
-
-<file path=ppt/slides/slide37.xml><?xml version="1.0" encoding="utf-8"?>
+<file path=ppt/slides/slide38.xml><?xml version="1.0" encoding="utf-8"?>
 <p:sld xmlns:a="http://schemas.openxmlformats.org/drawingml/2006/main" xmlns:r="http://schemas.openxmlformats.org/officeDocument/2006/relationships" xmlns:p="http://schemas.openxmlformats.org/presentationml/2006/main">
   <p:cSld>
     <p:spTree>
@@ -17819,7 +18585,7 @@
 </p:sld>
 </file>
 
-<file path=ppt/slides/slide38.xml><?xml version="1.0" encoding="utf-8"?>
+<file path=ppt/slides/slide39.xml><?xml version="1.0" encoding="utf-8"?>
 <p:sld xmlns:a="http://schemas.openxmlformats.org/drawingml/2006/main" xmlns:r="http://schemas.openxmlformats.org/officeDocument/2006/relationships" xmlns:p="http://schemas.openxmlformats.org/presentationml/2006/main">
   <p:cSld>
     <p:spTree>
@@ -17940,239 +18706,13 @@
   <p:clrMapOvr>
     <a:masterClrMapping/>
   </p:clrMapOvr>
-</p:sld>
-</file>
-
-<file path=ppt/slides/slide39.xml><?xml version="1.0" encoding="utf-8"?>
-<p:sld xmlns:a="http://schemas.openxmlformats.org/drawingml/2006/main" xmlns:r="http://schemas.openxmlformats.org/officeDocument/2006/relationships" xmlns:p="http://schemas.openxmlformats.org/presentationml/2006/main">
-  <p:cSld>
-    <p:spTree>
-      <p:nvGrpSpPr>
-        <p:cNvPr id="1" name=""/>
-        <p:cNvGrpSpPr/>
-        <p:nvPr/>
-      </p:nvGrpSpPr>
-      <p:grpSpPr>
-        <a:xfrm>
-          <a:off x="0" y="0"/>
-          <a:ext cx="0" cy="0"/>
-          <a:chOff x="0" y="0"/>
-          <a:chExt cx="0" cy="0"/>
-        </a:xfrm>
-      </p:grpSpPr>
-      <p:sp>
-        <p:nvSpPr>
-          <p:cNvPr id="2" name="標題 1"/>
-          <p:cNvSpPr>
-            <a:spLocks noGrp="1"/>
-          </p:cNvSpPr>
-          <p:nvPr>
-            <p:ph type="title"/>
-          </p:nvPr>
-        </p:nvSpPr>
-        <p:spPr/>
-        <p:txBody>
-          <a:bodyPr/>
-          <a:lstStyle/>
-          <a:p>
-            <a:r>
-              <a:rPr lang="zh-TW" altLang="en-US" smtClean="0"/>
-              <a:t>變數的初始化</a:t>
-            </a:r>
-            <a:endParaRPr lang="zh-TW" altLang="en-US" dirty="0"/>
-          </a:p>
-        </p:txBody>
-      </p:sp>
-      <p:sp>
-        <p:nvSpPr>
-          <p:cNvPr id="3" name="內容版面配置區 2"/>
-          <p:cNvSpPr>
-            <a:spLocks noGrp="1"/>
-          </p:cNvSpPr>
-          <p:nvPr>
-            <p:ph idx="1"/>
-          </p:nvPr>
-        </p:nvSpPr>
-        <p:spPr/>
-        <p:txBody>
-          <a:bodyPr/>
-          <a:lstStyle/>
-          <a:p>
-            <a:r>
-              <a:rPr lang="zh-TW" altLang="en-US" dirty="0" smtClean="0"/>
-              <a:t>變數不是只能靠輸入設定內容，或是程式執行中用</a:t>
-            </a:r>
-            <a:r>
-              <a:rPr lang="en-US" altLang="zh-TW" dirty="0" smtClean="0"/>
-              <a:t>“=”</a:t>
-            </a:r>
-            <a:r>
-              <a:rPr lang="zh-TW" altLang="en-US" dirty="0" smtClean="0"/>
-              <a:t>號來設定</a:t>
-            </a:r>
-            <a:endParaRPr lang="en-US" altLang="zh-TW" dirty="0" smtClean="0"/>
-          </a:p>
-          <a:p>
-            <a:r>
-              <a:rPr lang="zh-TW" altLang="en-US" dirty="0"/>
-              <a:t>程式設計師是很偷懶的</a:t>
-            </a:r>
-            <a:r>
-              <a:rPr lang="zh-TW" altLang="en-US" dirty="0" smtClean="0"/>
-              <a:t>！可以</a:t>
-            </a:r>
-            <a:r>
-              <a:rPr lang="zh-TW" altLang="en-US" dirty="0"/>
-              <a:t>坐就不要</a:t>
-            </a:r>
-            <a:r>
-              <a:rPr lang="zh-TW" altLang="en-US" dirty="0" smtClean="0"/>
-              <a:t>站，可以躺就不要坐。</a:t>
-            </a:r>
-            <a:endParaRPr lang="en-US" altLang="zh-TW" dirty="0" smtClean="0"/>
-          </a:p>
-          <a:p>
-            <a:r>
-              <a:rPr lang="zh-TW" altLang="en-US" dirty="0" smtClean="0"/>
-              <a:t>所以宣告</a:t>
-            </a:r>
-            <a:r>
-              <a:rPr lang="zh-TW" altLang="en-US" dirty="0"/>
-              <a:t>變數時一併設定初始值</a:t>
-            </a:r>
-            <a:r>
-              <a:rPr lang="zh-TW" altLang="en-US" dirty="0" smtClean="0"/>
-              <a:t>。</a:t>
-            </a:r>
-            <a:endParaRPr lang="en-US" altLang="zh-TW" dirty="0" smtClean="0"/>
-          </a:p>
-          <a:p>
-            <a:r>
-              <a:rPr lang="zh-TW" altLang="en-US" dirty="0" smtClean="0"/>
-              <a:t>例如：原來是</a:t>
-            </a:r>
-            <a:r>
-              <a:rPr lang="en-US" altLang="zh-TW" dirty="0" smtClean="0"/>
-              <a:t>					</a:t>
-            </a:r>
-            <a:r>
-              <a:rPr lang="zh-TW" altLang="en-US" dirty="0" smtClean="0"/>
-              <a:t>偷懶變成：</a:t>
-            </a:r>
-            <a:endParaRPr lang="en-US" altLang="zh-TW" dirty="0" smtClean="0"/>
-          </a:p>
-          <a:p>
-            <a:endParaRPr lang="en-US" altLang="zh-TW" dirty="0"/>
-          </a:p>
-          <a:p>
-            <a:endParaRPr lang="en-US" altLang="zh-TW" dirty="0" smtClean="0"/>
-          </a:p>
-          <a:p>
-            <a:r>
-              <a:rPr lang="zh-TW" altLang="en-US" dirty="0"/>
-              <a:t>簡言之：所有變數宣告後直接在後面</a:t>
-            </a:r>
-            <a:r>
-              <a:rPr lang="zh-TW" altLang="en-US" dirty="0" smtClean="0"/>
-              <a:t>加</a:t>
-            </a:r>
-            <a:r>
-              <a:rPr lang="en-US" altLang="zh-TW" dirty="0" smtClean="0"/>
-              <a:t>“=”</a:t>
-            </a:r>
-            <a:r>
-              <a:rPr lang="zh-TW" altLang="en-US" dirty="0" smtClean="0"/>
-              <a:t>號</a:t>
-            </a:r>
-            <a:r>
-              <a:rPr lang="zh-TW" altLang="en-US" dirty="0"/>
-              <a:t>，接著是初始值即可。</a:t>
-            </a:r>
-          </a:p>
-        </p:txBody>
-      </p:sp>
-      <p:pic>
-        <p:nvPicPr>
-          <p:cNvPr id="5" name="圖片 4"/>
-          <p:cNvPicPr>
-            <a:picLocks noChangeAspect="1"/>
-          </p:cNvPicPr>
-          <p:nvPr/>
-        </p:nvPicPr>
-        <p:blipFill>
-          <a:blip r:embed="rId2"/>
-          <a:stretch>
-            <a:fillRect/>
-          </a:stretch>
-        </p:blipFill>
-        <p:spPr>
-          <a:xfrm>
-            <a:off x="5617680" y="3429000"/>
-            <a:ext cx="1920157" cy="459525"/>
-          </a:xfrm>
-          <a:prstGeom prst="rect">
-            <a:avLst/>
-          </a:prstGeom>
-        </p:spPr>
-      </p:pic>
-      <p:pic>
-        <p:nvPicPr>
-          <p:cNvPr id="6" name="圖片 5"/>
-          <p:cNvPicPr>
-            <a:picLocks noChangeAspect="1"/>
-          </p:cNvPicPr>
-          <p:nvPr/>
-        </p:nvPicPr>
-        <p:blipFill>
-          <a:blip r:embed="rId3"/>
-          <a:stretch>
-            <a:fillRect/>
-          </a:stretch>
-        </p:blipFill>
-        <p:spPr>
-          <a:xfrm>
-            <a:off x="2621072" y="3429000"/>
-            <a:ext cx="1590675" cy="704850"/>
-          </a:xfrm>
-          <a:prstGeom prst="rect">
-            <a:avLst/>
-          </a:prstGeom>
-        </p:spPr>
-      </p:pic>
-      <p:pic>
-        <p:nvPicPr>
-          <p:cNvPr id="7" name="圖片 6"/>
-          <p:cNvPicPr>
-            <a:picLocks noChangeAspect="1"/>
-          </p:cNvPicPr>
-          <p:nvPr/>
-        </p:nvPicPr>
-        <p:blipFill>
-          <a:blip r:embed="rId4"/>
-          <a:stretch>
-            <a:fillRect/>
-          </a:stretch>
-        </p:blipFill>
-        <p:spPr>
-          <a:xfrm>
-            <a:off x="2503626" y="4988944"/>
-            <a:ext cx="3340584" cy="1286168"/>
-          </a:xfrm>
-          <a:prstGeom prst="rect">
-            <a:avLst/>
-          </a:prstGeom>
-        </p:spPr>
-      </p:pic>
-    </p:spTree>
-    <p:extLst>
-      <p:ext uri="{BB962C8B-B14F-4D97-AF65-F5344CB8AC3E}">
-        <p14:creationId xmlns:p14="http://schemas.microsoft.com/office/powerpoint/2010/main" val="3573367696"/>
-      </p:ext>
-    </p:extLst>
-  </p:cSld>
-  <p:clrMapOvr>
-    <a:masterClrMapping/>
-  </p:clrMapOvr>
+  <p:timing>
+    <p:tnLst>
+      <p:par>
+        <p:cTn id="1" dur="indefinite" restart="never" nodeType="tmRoot"/>
+      </p:par>
+    </p:tnLst>
+  </p:timing>
 </p:sld>
 </file>
 
@@ -18726,6 +19266,246 @@
             </p:seq>
           </p:childTnLst>
         </p:cTn>
+      </p:par>
+    </p:tnLst>
+  </p:timing>
+</p:sld>
+</file>
+
+<file path=ppt/slides/slide40.xml><?xml version="1.0" encoding="utf-8"?>
+<p:sld xmlns:a="http://schemas.openxmlformats.org/drawingml/2006/main" xmlns:r="http://schemas.openxmlformats.org/officeDocument/2006/relationships" xmlns:p="http://schemas.openxmlformats.org/presentationml/2006/main">
+  <p:cSld>
+    <p:spTree>
+      <p:nvGrpSpPr>
+        <p:cNvPr id="1" name=""/>
+        <p:cNvGrpSpPr/>
+        <p:nvPr/>
+      </p:nvGrpSpPr>
+      <p:grpSpPr>
+        <a:xfrm>
+          <a:off x="0" y="0"/>
+          <a:ext cx="0" cy="0"/>
+          <a:chOff x="0" y="0"/>
+          <a:chExt cx="0" cy="0"/>
+        </a:xfrm>
+      </p:grpSpPr>
+      <p:sp>
+        <p:nvSpPr>
+          <p:cNvPr id="2" name="標題 1"/>
+          <p:cNvSpPr>
+            <a:spLocks noGrp="1"/>
+          </p:cNvSpPr>
+          <p:nvPr>
+            <p:ph type="title"/>
+          </p:nvPr>
+        </p:nvSpPr>
+        <p:spPr/>
+        <p:txBody>
+          <a:bodyPr/>
+          <a:lstStyle/>
+          <a:p>
+            <a:r>
+              <a:rPr lang="zh-TW" altLang="en-US" smtClean="0"/>
+              <a:t>變數的初始化</a:t>
+            </a:r>
+            <a:endParaRPr lang="zh-TW" altLang="en-US" dirty="0"/>
+          </a:p>
+        </p:txBody>
+      </p:sp>
+      <p:sp>
+        <p:nvSpPr>
+          <p:cNvPr id="3" name="內容版面配置區 2"/>
+          <p:cNvSpPr>
+            <a:spLocks noGrp="1"/>
+          </p:cNvSpPr>
+          <p:nvPr>
+            <p:ph idx="1"/>
+          </p:nvPr>
+        </p:nvSpPr>
+        <p:spPr/>
+        <p:txBody>
+          <a:bodyPr/>
+          <a:lstStyle/>
+          <a:p>
+            <a:r>
+              <a:rPr lang="zh-TW" altLang="en-US" dirty="0" smtClean="0"/>
+              <a:t>變數不是只能靠輸入設定內容，或是程式執行中用</a:t>
+            </a:r>
+            <a:r>
+              <a:rPr lang="en-US" altLang="zh-TW" dirty="0" smtClean="0"/>
+              <a:t>“=”</a:t>
+            </a:r>
+            <a:r>
+              <a:rPr lang="zh-TW" altLang="en-US" dirty="0" smtClean="0"/>
+              <a:t>號來設定</a:t>
+            </a:r>
+            <a:endParaRPr lang="en-US" altLang="zh-TW" dirty="0" smtClean="0"/>
+          </a:p>
+          <a:p>
+            <a:r>
+              <a:rPr lang="zh-TW" altLang="en-US" dirty="0"/>
+              <a:t>程式設計師是很偷懶的</a:t>
+            </a:r>
+            <a:r>
+              <a:rPr lang="zh-TW" altLang="en-US" dirty="0" smtClean="0"/>
+              <a:t>！可以</a:t>
+            </a:r>
+            <a:r>
+              <a:rPr lang="zh-TW" altLang="en-US" dirty="0"/>
+              <a:t>坐就不要</a:t>
+            </a:r>
+            <a:r>
+              <a:rPr lang="zh-TW" altLang="en-US" dirty="0" smtClean="0"/>
+              <a:t>站，可以躺就不要坐。</a:t>
+            </a:r>
+            <a:endParaRPr lang="en-US" altLang="zh-TW" dirty="0" smtClean="0"/>
+          </a:p>
+          <a:p>
+            <a:r>
+              <a:rPr lang="zh-TW" altLang="en-US" dirty="0" smtClean="0"/>
+              <a:t>所以宣告</a:t>
+            </a:r>
+            <a:r>
+              <a:rPr lang="zh-TW" altLang="en-US" dirty="0"/>
+              <a:t>變數時一併設定初始值</a:t>
+            </a:r>
+            <a:r>
+              <a:rPr lang="zh-TW" altLang="en-US" dirty="0" smtClean="0"/>
+              <a:t>。</a:t>
+            </a:r>
+            <a:endParaRPr lang="en-US" altLang="zh-TW" dirty="0" smtClean="0"/>
+          </a:p>
+          <a:p>
+            <a:r>
+              <a:rPr lang="zh-TW" altLang="en-US" dirty="0" smtClean="0"/>
+              <a:t>例如：原來是</a:t>
+            </a:r>
+            <a:r>
+              <a:rPr lang="en-US" altLang="zh-TW" dirty="0" smtClean="0"/>
+              <a:t>					</a:t>
+            </a:r>
+            <a:r>
+              <a:rPr lang="zh-TW" altLang="en-US" dirty="0" smtClean="0"/>
+              <a:t>偷懶變成：</a:t>
+            </a:r>
+            <a:endParaRPr lang="en-US" altLang="zh-TW" dirty="0" smtClean="0"/>
+          </a:p>
+          <a:p>
+            <a:endParaRPr lang="en-US" altLang="zh-TW" dirty="0"/>
+          </a:p>
+          <a:p>
+            <a:endParaRPr lang="en-US" altLang="zh-TW" dirty="0" smtClean="0"/>
+          </a:p>
+          <a:p>
+            <a:r>
+              <a:rPr lang="zh-TW" altLang="en-US" dirty="0"/>
+              <a:t>簡言之：所有變數宣告後直接在後面</a:t>
+            </a:r>
+            <a:r>
+              <a:rPr lang="zh-TW" altLang="en-US" dirty="0" smtClean="0"/>
+              <a:t>加</a:t>
+            </a:r>
+            <a:r>
+              <a:rPr lang="en-US" altLang="zh-TW" dirty="0" smtClean="0"/>
+              <a:t>“=”</a:t>
+            </a:r>
+            <a:r>
+              <a:rPr lang="zh-TW" altLang="en-US" dirty="0" smtClean="0"/>
+              <a:t>號</a:t>
+            </a:r>
+            <a:r>
+              <a:rPr lang="zh-TW" altLang="en-US" dirty="0"/>
+              <a:t>，接著是初始值即可。</a:t>
+            </a:r>
+          </a:p>
+        </p:txBody>
+      </p:sp>
+      <p:pic>
+        <p:nvPicPr>
+          <p:cNvPr id="5" name="圖片 4"/>
+          <p:cNvPicPr>
+            <a:picLocks noChangeAspect="1"/>
+          </p:cNvPicPr>
+          <p:nvPr/>
+        </p:nvPicPr>
+        <p:blipFill>
+          <a:blip r:embed="rId2"/>
+          <a:stretch>
+            <a:fillRect/>
+          </a:stretch>
+        </p:blipFill>
+        <p:spPr>
+          <a:xfrm>
+            <a:off x="5617680" y="3429000"/>
+            <a:ext cx="1920157" cy="459525"/>
+          </a:xfrm>
+          <a:prstGeom prst="rect">
+            <a:avLst/>
+          </a:prstGeom>
+        </p:spPr>
+      </p:pic>
+      <p:pic>
+        <p:nvPicPr>
+          <p:cNvPr id="6" name="圖片 5"/>
+          <p:cNvPicPr>
+            <a:picLocks noChangeAspect="1"/>
+          </p:cNvPicPr>
+          <p:nvPr/>
+        </p:nvPicPr>
+        <p:blipFill>
+          <a:blip r:embed="rId3"/>
+          <a:stretch>
+            <a:fillRect/>
+          </a:stretch>
+        </p:blipFill>
+        <p:spPr>
+          <a:xfrm>
+            <a:off x="2621072" y="3429000"/>
+            <a:ext cx="1590675" cy="704850"/>
+          </a:xfrm>
+          <a:prstGeom prst="rect">
+            <a:avLst/>
+          </a:prstGeom>
+        </p:spPr>
+      </p:pic>
+      <p:pic>
+        <p:nvPicPr>
+          <p:cNvPr id="7" name="圖片 6"/>
+          <p:cNvPicPr>
+            <a:picLocks noChangeAspect="1"/>
+          </p:cNvPicPr>
+          <p:nvPr/>
+        </p:nvPicPr>
+        <p:blipFill>
+          <a:blip r:embed="rId4"/>
+          <a:stretch>
+            <a:fillRect/>
+          </a:stretch>
+        </p:blipFill>
+        <p:spPr>
+          <a:xfrm>
+            <a:off x="2503626" y="4988944"/>
+            <a:ext cx="3340584" cy="1286168"/>
+          </a:xfrm>
+          <a:prstGeom prst="rect">
+            <a:avLst/>
+          </a:prstGeom>
+        </p:spPr>
+      </p:pic>
+    </p:spTree>
+    <p:extLst>
+      <p:ext uri="{BB962C8B-B14F-4D97-AF65-F5344CB8AC3E}">
+        <p14:creationId xmlns:p14="http://schemas.microsoft.com/office/powerpoint/2010/main" val="3573367696"/>
+      </p:ext>
+    </p:extLst>
+  </p:cSld>
+  <p:clrMapOvr>
+    <a:masterClrMapping/>
+  </p:clrMapOvr>
+  <p:timing>
+    <p:tnLst>
+      <p:par>
+        <p:cTn id="1" dur="indefinite" restart="never" nodeType="tmRoot"/>
       </p:par>
     </p:tnLst>
   </p:timing>
@@ -19703,7 +20483,6 @@
               <a:rPr lang="en-US" altLang="zh-TW" dirty="0" smtClean="0"/>
               <a:t>[Finish]</a:t>
             </a:r>
-            <a:endParaRPr lang="en-US" altLang="zh-TW" dirty="0" smtClean="0"/>
           </a:p>
           <a:p>
             <a:r>
